--- a/presentation-pca.pptx
+++ b/presentation-pca.pptx
@@ -8,6 +8,10 @@
     <p:sldId id="256" r:id="rId2"/>
     <p:sldId id="258" r:id="rId3"/>
     <p:sldId id="259" r:id="rId4"/>
+    <p:sldId id="261" r:id="rId5"/>
+    <p:sldId id="260" r:id="rId6"/>
+    <p:sldId id="262" r:id="rId7"/>
+    <p:sldId id="263" r:id="rId8"/>
   </p:sldIdLst>
   <p:sldSz cx="12192000" cy="6858000"/>
   <p:notesSz cx="6858000" cy="9144000"/>
@@ -263,7 +267,7 @@
           <a:p>
             <a:fld id="{03BAD5C8-B5A4-460A-8AEB-F722E9DCD64F}" type="datetimeFigureOut">
               <a:rPr lang="en-GB" smtClean="0"/>
-              <a:t>07/11/2021</a:t>
+              <a:t>08/11/2021</a:t>
             </a:fld>
             <a:endParaRPr lang="en-GB"/>
           </a:p>
@@ -463,7 +467,7 @@
           <a:p>
             <a:fld id="{03BAD5C8-B5A4-460A-8AEB-F722E9DCD64F}" type="datetimeFigureOut">
               <a:rPr lang="en-GB" smtClean="0"/>
-              <a:t>07/11/2021</a:t>
+              <a:t>08/11/2021</a:t>
             </a:fld>
             <a:endParaRPr lang="en-GB"/>
           </a:p>
@@ -673,7 +677,7 @@
           <a:p>
             <a:fld id="{03BAD5C8-B5A4-460A-8AEB-F722E9DCD64F}" type="datetimeFigureOut">
               <a:rPr lang="en-GB" smtClean="0"/>
-              <a:t>07/11/2021</a:t>
+              <a:t>08/11/2021</a:t>
             </a:fld>
             <a:endParaRPr lang="en-GB"/>
           </a:p>
@@ -873,7 +877,7 @@
           <a:p>
             <a:fld id="{03BAD5C8-B5A4-460A-8AEB-F722E9DCD64F}" type="datetimeFigureOut">
               <a:rPr lang="en-GB" smtClean="0"/>
-              <a:t>07/11/2021</a:t>
+              <a:t>08/11/2021</a:t>
             </a:fld>
             <a:endParaRPr lang="en-GB"/>
           </a:p>
@@ -1149,7 +1153,7 @@
           <a:p>
             <a:fld id="{03BAD5C8-B5A4-460A-8AEB-F722E9DCD64F}" type="datetimeFigureOut">
               <a:rPr lang="en-GB" smtClean="0"/>
-              <a:t>07/11/2021</a:t>
+              <a:t>08/11/2021</a:t>
             </a:fld>
             <a:endParaRPr lang="en-GB"/>
           </a:p>
@@ -1417,7 +1421,7 @@
           <a:p>
             <a:fld id="{03BAD5C8-B5A4-460A-8AEB-F722E9DCD64F}" type="datetimeFigureOut">
               <a:rPr lang="en-GB" smtClean="0"/>
-              <a:t>07/11/2021</a:t>
+              <a:t>08/11/2021</a:t>
             </a:fld>
             <a:endParaRPr lang="en-GB"/>
           </a:p>
@@ -1832,7 +1836,7 @@
           <a:p>
             <a:fld id="{03BAD5C8-B5A4-460A-8AEB-F722E9DCD64F}" type="datetimeFigureOut">
               <a:rPr lang="en-GB" smtClean="0"/>
-              <a:t>07/11/2021</a:t>
+              <a:t>08/11/2021</a:t>
             </a:fld>
             <a:endParaRPr lang="en-GB"/>
           </a:p>
@@ -1974,7 +1978,7 @@
           <a:p>
             <a:fld id="{03BAD5C8-B5A4-460A-8AEB-F722E9DCD64F}" type="datetimeFigureOut">
               <a:rPr lang="en-GB" smtClean="0"/>
-              <a:t>07/11/2021</a:t>
+              <a:t>08/11/2021</a:t>
             </a:fld>
             <a:endParaRPr lang="en-GB"/>
           </a:p>
@@ -2087,7 +2091,7 @@
           <a:p>
             <a:fld id="{03BAD5C8-B5A4-460A-8AEB-F722E9DCD64F}" type="datetimeFigureOut">
               <a:rPr lang="en-GB" smtClean="0"/>
-              <a:t>07/11/2021</a:t>
+              <a:t>08/11/2021</a:t>
             </a:fld>
             <a:endParaRPr lang="en-GB"/>
           </a:p>
@@ -2400,7 +2404,7 @@
           <a:p>
             <a:fld id="{03BAD5C8-B5A4-460A-8AEB-F722E9DCD64F}" type="datetimeFigureOut">
               <a:rPr lang="en-GB" smtClean="0"/>
-              <a:t>07/11/2021</a:t>
+              <a:t>08/11/2021</a:t>
             </a:fld>
             <a:endParaRPr lang="en-GB"/>
           </a:p>
@@ -2689,7 +2693,7 @@
           <a:p>
             <a:fld id="{03BAD5C8-B5A4-460A-8AEB-F722E9DCD64F}" type="datetimeFigureOut">
               <a:rPr lang="en-GB" smtClean="0"/>
-              <a:t>07/11/2021</a:t>
+              <a:t>08/11/2021</a:t>
             </a:fld>
             <a:endParaRPr lang="en-GB"/>
           </a:p>
@@ -2932,7 +2936,7 @@
           <a:p>
             <a:fld id="{03BAD5C8-B5A4-460A-8AEB-F722E9DCD64F}" type="datetimeFigureOut">
               <a:rPr lang="en-GB" smtClean="0"/>
-              <a:t>07/11/2021</a:t>
+              <a:t>08/11/2021</a:t>
             </a:fld>
             <a:endParaRPr lang="en-GB"/>
           </a:p>
@@ -3702,7 +3706,7 @@
                     <a:latin typeface="Times New Roman" panose="02020603050405020304" pitchFamily="18" charset="0"/>
                     <a:cs typeface="Times New Roman" panose="02020603050405020304" pitchFamily="18" charset="0"/>
                   </a:rPr>
-                  <a:t> of this dataset</a:t>
+                  <a:t> of this dataset.</a:t>
                 </a:r>
               </a:p>
               <a:p>
@@ -3725,7 +3729,7 @@
                     <a:latin typeface="Times New Roman" panose="02020603050405020304" pitchFamily="18" charset="0"/>
                     <a:cs typeface="Times New Roman" panose="02020603050405020304" pitchFamily="18" charset="0"/>
                   </a:rPr>
-                  <a:t> dataset</a:t>
+                  <a:t> dataset.</a:t>
                 </a:r>
               </a:p>
               <a:p>
@@ -3784,8 +3788,8 @@
           </p:sp>
         </mc:Fallback>
       </mc:AlternateContent>
-      <mc:AlternateContent xmlns:mc="http://schemas.openxmlformats.org/markup-compatibility/2006">
-        <mc:Choice xmlns:a14="http://schemas.microsoft.com/office/drawing/2010/main" Requires="a14">
+      <mc:AlternateContent xmlns:mc="http://schemas.openxmlformats.org/markup-compatibility/2006" xmlns:a14="http://schemas.microsoft.com/office/drawing/2010/main">
+        <mc:Choice Requires="a14">
           <p:graphicFrame>
             <p:nvGraphicFramePr>
               <p:cNvPr id="5" name="Table 5">
@@ -4043,7 +4047,7 @@
             </a:graphic>
           </p:graphicFrame>
         </mc:Choice>
-        <mc:Fallback>
+        <mc:Fallback xmlns="">
           <p:graphicFrame>
             <p:nvGraphicFramePr>
               <p:cNvPr id="5" name="Table 5">
@@ -4393,7 +4397,7 @@
         </p:spPr>
         <p:txBody>
           <a:bodyPr>
-            <a:normAutofit/>
+            <a:normAutofit lnSpcReduction="10000"/>
           </a:bodyPr>
           <a:lstStyle/>
           <a:p>
@@ -4411,7 +4415,7 @@
                 <a:latin typeface="Times New Roman" panose="02020603050405020304" pitchFamily="18" charset="0"/>
                 <a:cs typeface="Times New Roman" panose="02020603050405020304" pitchFamily="18" charset="0"/>
               </a:rPr>
-              <a:t>Higher dimensional data can be cumbersome to deal with. </a:t>
+              <a:t>Higher dimensional data can be cumbersome to deal with and can be impossible to visualize. </a:t>
             </a:r>
           </a:p>
           <a:p>
@@ -4429,6 +4433,15 @@
                 <a:latin typeface="Times New Roman" panose="02020603050405020304" pitchFamily="18" charset="0"/>
                 <a:cs typeface="Times New Roman" panose="02020603050405020304" pitchFamily="18" charset="0"/>
               </a:rPr>
+              <a:t>Dimensionality reduction techniques work with labeled data as well as with unlabeled data.</a:t>
+            </a:r>
+          </a:p>
+          <a:p>
+            <a:r>
+              <a:rPr lang="en-US" dirty="0">
+                <a:latin typeface="Times New Roman" panose="02020603050405020304" pitchFamily="18" charset="0"/>
+                <a:cs typeface="Times New Roman" panose="02020603050405020304" pitchFamily="18" charset="0"/>
+              </a:rPr>
               <a:t>Among those techniques is the </a:t>
             </a:r>
             <a:r>
@@ -4443,15 +4456,169 @@
                 <a:latin typeface="Times New Roman" panose="02020603050405020304" pitchFamily="18" charset="0"/>
                 <a:cs typeface="Times New Roman" panose="02020603050405020304" pitchFamily="18" charset="0"/>
               </a:rPr>
-              <a:t>, which we will </a:t>
-            </a:r>
-            <a:r>
-              <a:rPr lang="en-US">
+              <a:t>, which we will cover briefly.</a:t>
+            </a:r>
+          </a:p>
+        </p:txBody>
+      </p:sp>
+    </p:spTree>
+    <p:extLst>
+      <p:ext uri="{BB962C8B-B14F-4D97-AF65-F5344CB8AC3E}">
+        <p14:creationId xmlns:p14="http://schemas.microsoft.com/office/powerpoint/2010/main" val="1773237835"/>
+      </p:ext>
+    </p:extLst>
+  </p:cSld>
+  <p:clrMapOvr>
+    <a:masterClrMapping/>
+  </p:clrMapOvr>
+</p:sld>
+</file>
+
+<file path=ppt/slides/slide4.xml><?xml version="1.0" encoding="utf-8"?>
+<p:sld xmlns:a="http://schemas.openxmlformats.org/drawingml/2006/main" xmlns:r="http://schemas.openxmlformats.org/officeDocument/2006/relationships" xmlns:p="http://schemas.openxmlformats.org/presentationml/2006/main">
+  <p:cSld>
+    <p:bg>
+      <p:bgPr>
+        <a:blipFill rotWithShape="1">
+          <a:blip r:embed="rId2">
+            <a:duotone>
+              <a:schemeClr val="bg2">
+                <a:shade val="80000"/>
+                <a:lumMod val="80000"/>
+              </a:schemeClr>
+              <a:schemeClr val="bg2">
+                <a:tint val="98000"/>
+              </a:schemeClr>
+            </a:duotone>
+          </a:blip>
+          <a:stretch/>
+        </a:blipFill>
+        <a:effectLst/>
+      </p:bgPr>
+    </p:bg>
+    <p:spTree>
+      <p:nvGrpSpPr>
+        <p:cNvPr id="1" name=""/>
+        <p:cNvGrpSpPr/>
+        <p:nvPr/>
+      </p:nvGrpSpPr>
+      <p:grpSpPr>
+        <a:xfrm>
+          <a:off x="0" y="0"/>
+          <a:ext cx="0" cy="0"/>
+          <a:chOff x="0" y="0"/>
+          <a:chExt cx="0" cy="0"/>
+        </a:xfrm>
+      </p:grpSpPr>
+      <p:sp>
+        <p:nvSpPr>
+          <p:cNvPr id="2" name="Title 1">
+            <a:extLst>
+              <a:ext uri="{FF2B5EF4-FFF2-40B4-BE49-F238E27FC236}">
+                <a16:creationId xmlns:a16="http://schemas.microsoft.com/office/drawing/2014/main" id="{ADD66E0C-CEBB-4743-AC52-7CBE75BEB317}"/>
+              </a:ext>
+            </a:extLst>
+          </p:cNvPr>
+          <p:cNvSpPr>
+            <a:spLocks noGrp="1"/>
+          </p:cNvSpPr>
+          <p:nvPr>
+            <p:ph type="title"/>
+          </p:nvPr>
+        </p:nvSpPr>
+        <p:spPr>
+          <a:xfrm>
+            <a:off x="913795" y="609600"/>
+            <a:ext cx="10353762" cy="1164772"/>
+          </a:xfrm>
+        </p:spPr>
+        <p:txBody>
+          <a:bodyPr>
+            <a:normAutofit/>
+          </a:bodyPr>
+          <a:lstStyle/>
+          <a:p>
+            <a:r>
+              <a:rPr lang="en-US" dirty="0">
                 <a:latin typeface="Times New Roman" panose="02020603050405020304" pitchFamily="18" charset="0"/>
                 <a:cs typeface="Times New Roman" panose="02020603050405020304" pitchFamily="18" charset="0"/>
               </a:rPr>
-              <a:t>cover briefly </a:t>
-            </a:r>
+              <a:t>Why Dimensionality Reduction?</a:t>
+            </a:r>
+            <a:endParaRPr lang="en-GB" dirty="0">
+              <a:latin typeface="Times New Roman" panose="02020603050405020304" pitchFamily="18" charset="0"/>
+              <a:cs typeface="Times New Roman" panose="02020603050405020304" pitchFamily="18" charset="0"/>
+            </a:endParaRPr>
+          </a:p>
+        </p:txBody>
+      </p:sp>
+      <p:sp>
+        <p:nvSpPr>
+          <p:cNvPr id="3" name="Content Placeholder 2">
+            <a:extLst>
+              <a:ext uri="{FF2B5EF4-FFF2-40B4-BE49-F238E27FC236}">
+                <a16:creationId xmlns:a16="http://schemas.microsoft.com/office/drawing/2014/main" id="{3C9F5026-EDD1-47E7-BCE2-603A9385AD70}"/>
+              </a:ext>
+            </a:extLst>
+          </p:cNvPr>
+          <p:cNvSpPr>
+            <a:spLocks noGrp="1"/>
+          </p:cNvSpPr>
+          <p:nvPr>
+            <p:ph idx="1"/>
+          </p:nvPr>
+        </p:nvSpPr>
+        <p:spPr>
+          <a:xfrm>
+            <a:off x="913795" y="1931542"/>
+            <a:ext cx="9710296" cy="4438436"/>
+          </a:xfrm>
+        </p:spPr>
+        <p:txBody>
+          <a:bodyPr>
+            <a:normAutofit/>
+          </a:bodyPr>
+          <a:lstStyle/>
+          <a:p>
+            <a:r>
+              <a:rPr lang="en-US" dirty="0">
+                <a:latin typeface="Times New Roman" panose="02020603050405020304" pitchFamily="18" charset="0"/>
+                <a:cs typeface="Times New Roman" panose="02020603050405020304" pitchFamily="18" charset="0"/>
+              </a:rPr>
+              <a:t>Visualization is not the only challenge with higher dimensional data. There are many other reasons why we may wish to reduce the number of dimensions. Here are some of them:</a:t>
+            </a:r>
+          </a:p>
+          <a:p>
+            <a:pPr lvl="1"/>
+            <a:r>
+              <a:rPr lang="en-US" dirty="0">
+                <a:latin typeface="Times New Roman" panose="02020603050405020304" pitchFamily="18" charset="0"/>
+                <a:cs typeface="Times New Roman" panose="02020603050405020304" pitchFamily="18" charset="0"/>
+              </a:rPr>
+              <a:t>Reducing the computational cost of some algorithms</a:t>
+            </a:r>
+          </a:p>
+          <a:p>
+            <a:pPr lvl="1"/>
+            <a:r>
+              <a:rPr lang="en-US" dirty="0">
+                <a:latin typeface="Times New Roman" panose="02020603050405020304" pitchFamily="18" charset="0"/>
+                <a:cs typeface="Times New Roman" panose="02020603050405020304" pitchFamily="18" charset="0"/>
+              </a:rPr>
+              <a:t>Making the dataset easier to use</a:t>
+            </a:r>
+          </a:p>
+          <a:p>
+            <a:pPr lvl="1"/>
+            <a:r>
+              <a:rPr lang="en-US" dirty="0">
+                <a:latin typeface="Times New Roman" panose="02020603050405020304" pitchFamily="18" charset="0"/>
+                <a:cs typeface="Times New Roman" panose="02020603050405020304" pitchFamily="18" charset="0"/>
+              </a:rPr>
+              <a:t>Making the results easier to interpret</a:t>
+            </a:r>
+          </a:p>
+          <a:p>
             <a:endParaRPr lang="en-US" dirty="0">
               <a:latin typeface="Times New Roman" panose="02020603050405020304" pitchFamily="18" charset="0"/>
               <a:cs typeface="Times New Roman" panose="02020603050405020304" pitchFamily="18" charset="0"/>
@@ -4462,7 +4629,1843 @@
     </p:spTree>
     <p:extLst>
       <p:ext uri="{BB962C8B-B14F-4D97-AF65-F5344CB8AC3E}">
-        <p14:creationId xmlns:p14="http://schemas.microsoft.com/office/powerpoint/2010/main" val="1773237835"/>
+        <p14:creationId xmlns:p14="http://schemas.microsoft.com/office/powerpoint/2010/main" val="2470524942"/>
+      </p:ext>
+    </p:extLst>
+  </p:cSld>
+  <p:clrMapOvr>
+    <a:masterClrMapping/>
+  </p:clrMapOvr>
+</p:sld>
+</file>
+
+<file path=ppt/slides/slide5.xml><?xml version="1.0" encoding="utf-8"?>
+<p:sld xmlns:a="http://schemas.openxmlformats.org/drawingml/2006/main" xmlns:r="http://schemas.openxmlformats.org/officeDocument/2006/relationships" xmlns:p="http://schemas.openxmlformats.org/presentationml/2006/main">
+  <p:cSld>
+    <p:bg>
+      <p:bgPr>
+        <a:blipFill rotWithShape="1">
+          <a:blip r:embed="rId2">
+            <a:duotone>
+              <a:schemeClr val="bg2">
+                <a:shade val="80000"/>
+                <a:lumMod val="80000"/>
+              </a:schemeClr>
+              <a:schemeClr val="bg2">
+                <a:tint val="98000"/>
+              </a:schemeClr>
+            </a:duotone>
+          </a:blip>
+          <a:stretch/>
+        </a:blipFill>
+        <a:effectLst/>
+      </p:bgPr>
+    </p:bg>
+    <p:spTree>
+      <p:nvGrpSpPr>
+        <p:cNvPr id="1" name=""/>
+        <p:cNvGrpSpPr/>
+        <p:nvPr/>
+      </p:nvGrpSpPr>
+      <p:grpSpPr>
+        <a:xfrm>
+          <a:off x="0" y="0"/>
+          <a:ext cx="0" cy="0"/>
+          <a:chOff x="0" y="0"/>
+          <a:chExt cx="0" cy="0"/>
+        </a:xfrm>
+      </p:grpSpPr>
+      <p:sp>
+        <p:nvSpPr>
+          <p:cNvPr id="2" name="Title 1">
+            <a:extLst>
+              <a:ext uri="{FF2B5EF4-FFF2-40B4-BE49-F238E27FC236}">
+                <a16:creationId xmlns:a16="http://schemas.microsoft.com/office/drawing/2014/main" id="{ADD66E0C-CEBB-4743-AC52-7CBE75BEB317}"/>
+              </a:ext>
+            </a:extLst>
+          </p:cNvPr>
+          <p:cNvSpPr>
+            <a:spLocks noGrp="1"/>
+          </p:cNvSpPr>
+          <p:nvPr>
+            <p:ph type="title"/>
+          </p:nvPr>
+        </p:nvSpPr>
+        <p:spPr>
+          <a:xfrm>
+            <a:off x="913795" y="609600"/>
+            <a:ext cx="10353762" cy="1164772"/>
+          </a:xfrm>
+        </p:spPr>
+        <p:txBody>
+          <a:bodyPr>
+            <a:normAutofit/>
+          </a:bodyPr>
+          <a:lstStyle/>
+          <a:p>
+            <a:r>
+              <a:rPr lang="en-US" dirty="0">
+                <a:latin typeface="Times New Roman" panose="02020603050405020304" pitchFamily="18" charset="0"/>
+                <a:cs typeface="Times New Roman" panose="02020603050405020304" pitchFamily="18" charset="0"/>
+              </a:rPr>
+              <a:t>PCA – Steps</a:t>
+            </a:r>
+            <a:endParaRPr lang="en-GB" dirty="0">
+              <a:latin typeface="Times New Roman" panose="02020603050405020304" pitchFamily="18" charset="0"/>
+              <a:cs typeface="Times New Roman" panose="02020603050405020304" pitchFamily="18" charset="0"/>
+            </a:endParaRPr>
+          </a:p>
+        </p:txBody>
+      </p:sp>
+      <mc:AlternateContent xmlns:mc="http://schemas.openxmlformats.org/markup-compatibility/2006">
+        <mc:Choice xmlns:a14="http://schemas.microsoft.com/office/drawing/2010/main" Requires="a14">
+          <p:sp>
+            <p:nvSpPr>
+              <p:cNvPr id="3" name="Content Placeholder 2">
+                <a:extLst>
+                  <a:ext uri="{FF2B5EF4-FFF2-40B4-BE49-F238E27FC236}">
+                    <a16:creationId xmlns:a16="http://schemas.microsoft.com/office/drawing/2014/main" id="{3C9F5026-EDD1-47E7-BCE2-603A9385AD70}"/>
+                  </a:ext>
+                </a:extLst>
+              </p:cNvPr>
+              <p:cNvSpPr>
+                <a:spLocks noGrp="1"/>
+              </p:cNvSpPr>
+              <p:nvPr>
+                <p:ph idx="1"/>
+              </p:nvPr>
+            </p:nvSpPr>
+            <p:spPr>
+              <a:xfrm>
+                <a:off x="913795" y="1931542"/>
+                <a:ext cx="9710296" cy="4438436"/>
+              </a:xfrm>
+            </p:spPr>
+            <p:txBody>
+              <a:bodyPr>
+                <a:normAutofit/>
+              </a:bodyPr>
+              <a:lstStyle/>
+              <a:p>
+                <a:r>
+                  <a:rPr lang="en-US" dirty="0">
+                    <a:latin typeface="Times New Roman" panose="02020603050405020304" pitchFamily="18" charset="0"/>
+                    <a:cs typeface="Times New Roman" panose="02020603050405020304" pitchFamily="18" charset="0"/>
+                  </a:rPr>
+                  <a:t>Standardize the data. That is, replace every point </a:t>
+                </a:r>
+                <a14:m>
+                  <m:oMath xmlns:m="http://schemas.openxmlformats.org/officeDocument/2006/math">
+                    <m:sSub>
+                      <m:sSubPr>
+                        <m:ctrlPr>
+                          <a:rPr lang="en-US" b="0" i="1" smtClean="0">
+                            <a:latin typeface="Cambria Math" panose="02040503050406030204" pitchFamily="18" charset="0"/>
+                            <a:cs typeface="Times New Roman" panose="02020603050405020304" pitchFamily="18" charset="0"/>
+                          </a:rPr>
+                        </m:ctrlPr>
+                      </m:sSubPr>
+                      <m:e>
+                        <m:r>
+                          <a:rPr lang="en-US" b="0" i="1" smtClean="0">
+                            <a:latin typeface="Cambria Math" panose="02040503050406030204" pitchFamily="18" charset="0"/>
+                            <a:cs typeface="Times New Roman" panose="02020603050405020304" pitchFamily="18" charset="0"/>
+                          </a:rPr>
+                          <m:t>𝑥</m:t>
+                        </m:r>
+                      </m:e>
+                      <m:sub>
+                        <m:r>
+                          <a:rPr lang="en-US" b="0" i="1" smtClean="0">
+                            <a:latin typeface="Cambria Math" panose="02040503050406030204" pitchFamily="18" charset="0"/>
+                            <a:cs typeface="Times New Roman" panose="02020603050405020304" pitchFamily="18" charset="0"/>
+                          </a:rPr>
+                          <m:t>𝑖</m:t>
+                        </m:r>
+                      </m:sub>
+                    </m:sSub>
+                  </m:oMath>
+                </a14:m>
+                <a:r>
+                  <a:rPr lang="en-US" dirty="0">
+                    <a:latin typeface="Times New Roman" panose="02020603050405020304" pitchFamily="18" charset="0"/>
+                    <a:cs typeface="Times New Roman" panose="02020603050405020304" pitchFamily="18" charset="0"/>
+                  </a:rPr>
+                  <a:t> in that dimension with </a:t>
+                </a:r>
+                <a14:m>
+                  <m:oMath xmlns:m="http://schemas.openxmlformats.org/officeDocument/2006/math">
+                    <m:sSub>
+                      <m:sSubPr>
+                        <m:ctrlPr>
+                          <a:rPr lang="en-US" i="1">
+                            <a:latin typeface="Cambria Math" panose="02040503050406030204" pitchFamily="18" charset="0"/>
+                            <a:cs typeface="Times New Roman" panose="02020603050405020304" pitchFamily="18" charset="0"/>
+                          </a:rPr>
+                        </m:ctrlPr>
+                      </m:sSubPr>
+                      <m:e>
+                        <m:r>
+                          <a:rPr lang="en-US" i="1">
+                            <a:latin typeface="Cambria Math" panose="02040503050406030204" pitchFamily="18" charset="0"/>
+                            <a:cs typeface="Times New Roman" panose="02020603050405020304" pitchFamily="18" charset="0"/>
+                          </a:rPr>
+                          <m:t>𝑥</m:t>
+                        </m:r>
+                      </m:e>
+                      <m:sub>
+                        <m:r>
+                          <a:rPr lang="en-US" i="1">
+                            <a:latin typeface="Cambria Math" panose="02040503050406030204" pitchFamily="18" charset="0"/>
+                            <a:cs typeface="Times New Roman" panose="02020603050405020304" pitchFamily="18" charset="0"/>
+                          </a:rPr>
+                          <m:t>𝑠𝑡𝑑</m:t>
+                        </m:r>
+                        <m:r>
+                          <a:rPr lang="en-US" i="1">
+                            <a:latin typeface="Cambria Math" panose="02040503050406030204" pitchFamily="18" charset="0"/>
+                            <a:cs typeface="Times New Roman" panose="02020603050405020304" pitchFamily="18" charset="0"/>
+                          </a:rPr>
+                          <m:t>, </m:t>
+                        </m:r>
+                        <m:r>
+                          <a:rPr lang="en-US" i="1">
+                            <a:latin typeface="Cambria Math" panose="02040503050406030204" pitchFamily="18" charset="0"/>
+                            <a:cs typeface="Times New Roman" panose="02020603050405020304" pitchFamily="18" charset="0"/>
+                          </a:rPr>
+                          <m:t>𝑖</m:t>
+                        </m:r>
+                      </m:sub>
+                    </m:sSub>
+                  </m:oMath>
+                </a14:m>
+                <a:r>
+                  <a:rPr lang="en-US" dirty="0">
+                    <a:latin typeface="Times New Roman" panose="02020603050405020304" pitchFamily="18" charset="0"/>
+                    <a:cs typeface="Times New Roman" panose="02020603050405020304" pitchFamily="18" charset="0"/>
+                  </a:rPr>
+                  <a:t>, where</a:t>
+                </a:r>
+              </a:p>
+              <a:p>
+                <a:pPr marL="0" indent="0">
+                  <a:buNone/>
+                </a:pPr>
+                <a14:m>
+                  <m:oMathPara xmlns:m="http://schemas.openxmlformats.org/officeDocument/2006/math">
+                    <m:oMathParaPr>
+                      <m:jc m:val="centerGroup"/>
+                    </m:oMathParaPr>
+                    <m:oMath xmlns:m="http://schemas.openxmlformats.org/officeDocument/2006/math">
+                      <m:sSub>
+                        <m:sSubPr>
+                          <m:ctrlPr>
+                            <a:rPr lang="en-US" b="0" i="1" smtClean="0">
+                              <a:latin typeface="Cambria Math" panose="02040503050406030204" pitchFamily="18" charset="0"/>
+                              <a:cs typeface="Times New Roman" panose="02020603050405020304" pitchFamily="18" charset="0"/>
+                            </a:rPr>
+                          </m:ctrlPr>
+                        </m:sSubPr>
+                        <m:e>
+                          <m:r>
+                            <a:rPr lang="en-US" b="0" i="1" smtClean="0">
+                              <a:latin typeface="Cambria Math" panose="02040503050406030204" pitchFamily="18" charset="0"/>
+                              <a:cs typeface="Times New Roman" panose="02020603050405020304" pitchFamily="18" charset="0"/>
+                            </a:rPr>
+                            <m:t>𝑥</m:t>
+                          </m:r>
+                        </m:e>
+                        <m:sub>
+                          <m:r>
+                            <a:rPr lang="en-US" b="0" i="1" smtClean="0">
+                              <a:latin typeface="Cambria Math" panose="02040503050406030204" pitchFamily="18" charset="0"/>
+                              <a:cs typeface="Times New Roman" panose="02020603050405020304" pitchFamily="18" charset="0"/>
+                            </a:rPr>
+                            <m:t>𝑠𝑡𝑑</m:t>
+                          </m:r>
+                          <m:r>
+                            <a:rPr lang="en-US" b="0" i="1" smtClean="0">
+                              <a:latin typeface="Cambria Math" panose="02040503050406030204" pitchFamily="18" charset="0"/>
+                              <a:cs typeface="Times New Roman" panose="02020603050405020304" pitchFamily="18" charset="0"/>
+                            </a:rPr>
+                            <m:t>, </m:t>
+                          </m:r>
+                          <m:r>
+                            <a:rPr lang="en-US" b="0" i="1" smtClean="0">
+                              <a:latin typeface="Cambria Math" panose="02040503050406030204" pitchFamily="18" charset="0"/>
+                              <a:cs typeface="Times New Roman" panose="02020603050405020304" pitchFamily="18" charset="0"/>
+                            </a:rPr>
+                            <m:t>𝑖</m:t>
+                          </m:r>
+                        </m:sub>
+                      </m:sSub>
+                      <m:r>
+                        <a:rPr lang="en-US" b="0" i="1" smtClean="0">
+                          <a:latin typeface="Cambria Math" panose="02040503050406030204" pitchFamily="18" charset="0"/>
+                          <a:cs typeface="Times New Roman" panose="02020603050405020304" pitchFamily="18" charset="0"/>
+                        </a:rPr>
+                        <m:t>=</m:t>
+                      </m:r>
+                      <m:f>
+                        <m:fPr>
+                          <m:ctrlPr>
+                            <a:rPr lang="en-US" b="0" i="1" smtClean="0">
+                              <a:latin typeface="Cambria Math" panose="02040503050406030204" pitchFamily="18" charset="0"/>
+                              <a:cs typeface="Times New Roman" panose="02020603050405020304" pitchFamily="18" charset="0"/>
+                            </a:rPr>
+                          </m:ctrlPr>
+                        </m:fPr>
+                        <m:num>
+                          <m:sSub>
+                            <m:sSubPr>
+                              <m:ctrlPr>
+                                <a:rPr lang="en-US" b="0" i="1" smtClean="0">
+                                  <a:latin typeface="Cambria Math" panose="02040503050406030204" pitchFamily="18" charset="0"/>
+                                  <a:cs typeface="Times New Roman" panose="02020603050405020304" pitchFamily="18" charset="0"/>
+                                </a:rPr>
+                              </m:ctrlPr>
+                            </m:sSubPr>
+                            <m:e>
+                              <m:r>
+                                <a:rPr lang="en-US" b="0" i="1" smtClean="0">
+                                  <a:latin typeface="Cambria Math" panose="02040503050406030204" pitchFamily="18" charset="0"/>
+                                  <a:cs typeface="Times New Roman" panose="02020603050405020304" pitchFamily="18" charset="0"/>
+                                </a:rPr>
+                                <m:t>𝑥</m:t>
+                              </m:r>
+                            </m:e>
+                            <m:sub>
+                              <m:r>
+                                <a:rPr lang="en-US" b="0" i="1" smtClean="0">
+                                  <a:latin typeface="Cambria Math" panose="02040503050406030204" pitchFamily="18" charset="0"/>
+                                  <a:cs typeface="Times New Roman" panose="02020603050405020304" pitchFamily="18" charset="0"/>
+                                </a:rPr>
+                                <m:t>𝑖</m:t>
+                              </m:r>
+                            </m:sub>
+                          </m:sSub>
+                          <m:r>
+                            <a:rPr lang="en-US" b="0" i="1" smtClean="0">
+                              <a:latin typeface="Cambria Math" panose="02040503050406030204" pitchFamily="18" charset="0"/>
+                              <a:cs typeface="Times New Roman" panose="02020603050405020304" pitchFamily="18" charset="0"/>
+                            </a:rPr>
+                            <m:t>−</m:t>
+                          </m:r>
+                          <m:sSub>
+                            <m:sSubPr>
+                              <m:ctrlPr>
+                                <a:rPr lang="en-US" b="0" i="1" smtClean="0">
+                                  <a:latin typeface="Cambria Math" panose="02040503050406030204" pitchFamily="18" charset="0"/>
+                                  <a:ea typeface="Cambria Math" panose="02040503050406030204" pitchFamily="18" charset="0"/>
+                                  <a:cs typeface="Times New Roman" panose="02020603050405020304" pitchFamily="18" charset="0"/>
+                                </a:rPr>
+                              </m:ctrlPr>
+                            </m:sSubPr>
+                            <m:e>
+                              <m:r>
+                                <a:rPr lang="en-US" b="0" i="1" smtClean="0">
+                                  <a:latin typeface="Cambria Math" panose="02040503050406030204" pitchFamily="18" charset="0"/>
+                                  <a:ea typeface="Cambria Math" panose="02040503050406030204" pitchFamily="18" charset="0"/>
+                                  <a:cs typeface="Times New Roman" panose="02020603050405020304" pitchFamily="18" charset="0"/>
+                                </a:rPr>
+                                <m:t>𝜇</m:t>
+                              </m:r>
+                            </m:e>
+                            <m:sub>
+                              <m:r>
+                                <a:rPr lang="en-US" b="0" i="1" smtClean="0">
+                                  <a:latin typeface="Cambria Math" panose="02040503050406030204" pitchFamily="18" charset="0"/>
+                                  <a:ea typeface="Cambria Math" panose="02040503050406030204" pitchFamily="18" charset="0"/>
+                                  <a:cs typeface="Times New Roman" panose="02020603050405020304" pitchFamily="18" charset="0"/>
+                                </a:rPr>
+                                <m:t>𝑥</m:t>
+                              </m:r>
+                            </m:sub>
+                          </m:sSub>
+                        </m:num>
+                        <m:den>
+                          <m:sSub>
+                            <m:sSubPr>
+                              <m:ctrlPr>
+                                <a:rPr lang="en-US" b="0" i="1" smtClean="0">
+                                  <a:latin typeface="Cambria Math" panose="02040503050406030204" pitchFamily="18" charset="0"/>
+                                  <a:ea typeface="Cambria Math" panose="02040503050406030204" pitchFamily="18" charset="0"/>
+                                  <a:cs typeface="Times New Roman" panose="02020603050405020304" pitchFamily="18" charset="0"/>
+                                </a:rPr>
+                              </m:ctrlPr>
+                            </m:sSubPr>
+                            <m:e>
+                              <m:r>
+                                <a:rPr lang="en-US" b="0" i="1" smtClean="0">
+                                  <a:latin typeface="Cambria Math" panose="02040503050406030204" pitchFamily="18" charset="0"/>
+                                  <a:ea typeface="Cambria Math" panose="02040503050406030204" pitchFamily="18" charset="0"/>
+                                  <a:cs typeface="Times New Roman" panose="02020603050405020304" pitchFamily="18" charset="0"/>
+                                </a:rPr>
+                                <m:t>𝜎</m:t>
+                              </m:r>
+                            </m:e>
+                            <m:sub>
+                              <m:r>
+                                <a:rPr lang="en-US" b="0" i="1" smtClean="0">
+                                  <a:latin typeface="Cambria Math" panose="02040503050406030204" pitchFamily="18" charset="0"/>
+                                  <a:ea typeface="Cambria Math" panose="02040503050406030204" pitchFamily="18" charset="0"/>
+                                  <a:cs typeface="Times New Roman" panose="02020603050405020304" pitchFamily="18" charset="0"/>
+                                </a:rPr>
+                                <m:t>𝑥</m:t>
+                              </m:r>
+                            </m:sub>
+                          </m:sSub>
+                        </m:den>
+                      </m:f>
+                    </m:oMath>
+                  </m:oMathPara>
+                </a14:m>
+                <a:endParaRPr lang="en-US" dirty="0">
+                  <a:latin typeface="Times New Roman" panose="02020603050405020304" pitchFamily="18" charset="0"/>
+                  <a:cs typeface="Times New Roman" panose="02020603050405020304" pitchFamily="18" charset="0"/>
+                </a:endParaRPr>
+              </a:p>
+              <a:p>
+                <a:pPr marL="0" indent="0">
+                  <a:buNone/>
+                </a:pPr>
+                <a:r>
+                  <a:rPr lang="en-US" dirty="0">
+                    <a:latin typeface="Times New Roman" panose="02020603050405020304" pitchFamily="18" charset="0"/>
+                    <a:cs typeface="Times New Roman" panose="02020603050405020304" pitchFamily="18" charset="0"/>
+                  </a:rPr>
+                  <a:t> </a:t>
+                </a:r>
+                <a14:m>
+                  <m:oMath xmlns:m="http://schemas.openxmlformats.org/officeDocument/2006/math">
+                    <m:sSub>
+                      <m:sSubPr>
+                        <m:ctrlPr>
+                          <a:rPr lang="en-US" b="0" i="1" smtClean="0">
+                            <a:latin typeface="Cambria Math" panose="02040503050406030204" pitchFamily="18" charset="0"/>
+                            <a:ea typeface="Cambria Math" panose="02040503050406030204" pitchFamily="18" charset="0"/>
+                            <a:cs typeface="Times New Roman" panose="02020603050405020304" pitchFamily="18" charset="0"/>
+                          </a:rPr>
+                        </m:ctrlPr>
+                      </m:sSubPr>
+                      <m:e>
+                        <m:r>
+                          <a:rPr lang="en-US" b="0" i="1" smtClean="0">
+                            <a:latin typeface="Cambria Math" panose="02040503050406030204" pitchFamily="18" charset="0"/>
+                            <a:ea typeface="Cambria Math" panose="02040503050406030204" pitchFamily="18" charset="0"/>
+                            <a:cs typeface="Times New Roman" panose="02020603050405020304" pitchFamily="18" charset="0"/>
+                          </a:rPr>
+                          <m:t>𝜇</m:t>
+                        </m:r>
+                      </m:e>
+                      <m:sub>
+                        <m:r>
+                          <a:rPr lang="en-US" b="0" i="1" smtClean="0">
+                            <a:latin typeface="Cambria Math" panose="02040503050406030204" pitchFamily="18" charset="0"/>
+                            <a:ea typeface="Cambria Math" panose="02040503050406030204" pitchFamily="18" charset="0"/>
+                            <a:cs typeface="Times New Roman" panose="02020603050405020304" pitchFamily="18" charset="0"/>
+                          </a:rPr>
+                          <m:t>𝑥</m:t>
+                        </m:r>
+                      </m:sub>
+                    </m:sSub>
+                  </m:oMath>
+                </a14:m>
+                <a:r>
+                  <a:rPr lang="en-US" dirty="0">
+                    <a:latin typeface="Times New Roman" panose="02020603050405020304" pitchFamily="18" charset="0"/>
+                    <a:cs typeface="Times New Roman" panose="02020603050405020304" pitchFamily="18" charset="0"/>
+                  </a:rPr>
+                  <a:t>: the mean of </a:t>
+                </a:r>
+                <a14:m>
+                  <m:oMath xmlns:m="http://schemas.openxmlformats.org/officeDocument/2006/math">
+                    <m:sSub>
+                      <m:sSubPr>
+                        <m:ctrlPr>
+                          <a:rPr lang="en-US" b="0" i="1" smtClean="0">
+                            <a:latin typeface="Cambria Math" panose="02040503050406030204" pitchFamily="18" charset="0"/>
+                            <a:cs typeface="Times New Roman" panose="02020603050405020304" pitchFamily="18" charset="0"/>
+                          </a:rPr>
+                        </m:ctrlPr>
+                      </m:sSubPr>
+                      <m:e>
+                        <m:r>
+                          <a:rPr lang="en-US" b="0" i="1" smtClean="0">
+                            <a:latin typeface="Cambria Math" panose="02040503050406030204" pitchFamily="18" charset="0"/>
+                            <a:cs typeface="Times New Roman" panose="02020603050405020304" pitchFamily="18" charset="0"/>
+                          </a:rPr>
+                          <m:t>𝑥</m:t>
+                        </m:r>
+                      </m:e>
+                      <m:sub>
+                        <m:r>
+                          <a:rPr lang="en-US" b="0" i="1" smtClean="0">
+                            <a:latin typeface="Cambria Math" panose="02040503050406030204" pitchFamily="18" charset="0"/>
+                            <a:cs typeface="Times New Roman" panose="02020603050405020304" pitchFamily="18" charset="0"/>
+                          </a:rPr>
+                          <m:t>𝑖</m:t>
+                        </m:r>
+                      </m:sub>
+                    </m:sSub>
+                  </m:oMath>
+                </a14:m>
+                <a:r>
+                  <a:rPr lang="en-US" dirty="0">
+                    <a:latin typeface="Times New Roman" panose="02020603050405020304" pitchFamily="18" charset="0"/>
+                    <a:cs typeface="Times New Roman" panose="02020603050405020304" pitchFamily="18" charset="0"/>
+                  </a:rPr>
+                  <a:t> for all </a:t>
+                </a:r>
+                <a14:m>
+                  <m:oMath xmlns:m="http://schemas.openxmlformats.org/officeDocument/2006/math">
+                    <m:r>
+                      <a:rPr lang="en-US" b="0" i="1" smtClean="0">
+                        <a:latin typeface="Cambria Math" panose="02040503050406030204" pitchFamily="18" charset="0"/>
+                        <a:cs typeface="Times New Roman" panose="02020603050405020304" pitchFamily="18" charset="0"/>
+                      </a:rPr>
+                      <m:t>𝑖</m:t>
+                    </m:r>
+                  </m:oMath>
+                </a14:m>
+                <a:r>
+                  <a:rPr lang="en-US" dirty="0">
+                    <a:latin typeface="Times New Roman" panose="02020603050405020304" pitchFamily="18" charset="0"/>
+                    <a:cs typeface="Times New Roman" panose="02020603050405020304" pitchFamily="18" charset="0"/>
+                  </a:rPr>
+                  <a:t>,</a:t>
+                </a:r>
+              </a:p>
+              <a:p>
+                <a:pPr marL="0" indent="0">
+                  <a:buNone/>
+                </a:pPr>
+                <a:r>
+                  <a:rPr lang="en-US" dirty="0">
+                    <a:latin typeface="Times New Roman" panose="02020603050405020304" pitchFamily="18" charset="0"/>
+                    <a:cs typeface="Times New Roman" panose="02020603050405020304" pitchFamily="18" charset="0"/>
+                  </a:rPr>
+                  <a:t> </a:t>
+                </a:r>
+                <a14:m>
+                  <m:oMath xmlns:m="http://schemas.openxmlformats.org/officeDocument/2006/math">
+                    <m:sSub>
+                      <m:sSubPr>
+                        <m:ctrlPr>
+                          <a:rPr lang="en-US" b="0" i="1" smtClean="0">
+                            <a:latin typeface="Cambria Math" panose="02040503050406030204" pitchFamily="18" charset="0"/>
+                            <a:ea typeface="Cambria Math" panose="02040503050406030204" pitchFamily="18" charset="0"/>
+                            <a:cs typeface="Times New Roman" panose="02020603050405020304" pitchFamily="18" charset="0"/>
+                          </a:rPr>
+                        </m:ctrlPr>
+                      </m:sSubPr>
+                      <m:e>
+                        <m:r>
+                          <a:rPr lang="en-US" b="0" i="1" smtClean="0">
+                            <a:latin typeface="Cambria Math" panose="02040503050406030204" pitchFamily="18" charset="0"/>
+                            <a:ea typeface="Cambria Math" panose="02040503050406030204" pitchFamily="18" charset="0"/>
+                            <a:cs typeface="Times New Roman" panose="02020603050405020304" pitchFamily="18" charset="0"/>
+                          </a:rPr>
+                          <m:t>𝜎</m:t>
+                        </m:r>
+                      </m:e>
+                      <m:sub>
+                        <m:r>
+                          <a:rPr lang="en-US" b="0" i="1" smtClean="0">
+                            <a:latin typeface="Cambria Math" panose="02040503050406030204" pitchFamily="18" charset="0"/>
+                            <a:ea typeface="Cambria Math" panose="02040503050406030204" pitchFamily="18" charset="0"/>
+                            <a:cs typeface="Times New Roman" panose="02020603050405020304" pitchFamily="18" charset="0"/>
+                          </a:rPr>
+                          <m:t>𝑥</m:t>
+                        </m:r>
+                      </m:sub>
+                    </m:sSub>
+                  </m:oMath>
+                </a14:m>
+                <a:r>
+                  <a:rPr lang="en-US" dirty="0">
+                    <a:latin typeface="Times New Roman" panose="02020603050405020304" pitchFamily="18" charset="0"/>
+                    <a:cs typeface="Times New Roman" panose="02020603050405020304" pitchFamily="18" charset="0"/>
+                  </a:rPr>
+                  <a:t>: the variance of the dimension.</a:t>
+                </a:r>
+              </a:p>
+              <a:p>
+                <a:endParaRPr lang="en-US" dirty="0">
+                  <a:latin typeface="Times New Roman" panose="02020603050405020304" pitchFamily="18" charset="0"/>
+                  <a:cs typeface="Times New Roman" panose="02020603050405020304" pitchFamily="18" charset="0"/>
+                </a:endParaRPr>
+              </a:p>
+            </p:txBody>
+          </p:sp>
+        </mc:Choice>
+        <mc:Fallback>
+          <p:sp>
+            <p:nvSpPr>
+              <p:cNvPr id="3" name="Content Placeholder 2">
+                <a:extLst>
+                  <a:ext uri="{FF2B5EF4-FFF2-40B4-BE49-F238E27FC236}">
+                    <a16:creationId xmlns:a16="http://schemas.microsoft.com/office/drawing/2014/main" id="{3C9F5026-EDD1-47E7-BCE2-603A9385AD70}"/>
+                  </a:ext>
+                </a:extLst>
+              </p:cNvPr>
+              <p:cNvSpPr>
+                <a:spLocks noGrp="1" noRot="1" noChangeAspect="1" noMove="1" noResize="1" noEditPoints="1" noAdjustHandles="1" noChangeArrowheads="1" noChangeShapeType="1" noTextEdit="1"/>
+              </p:cNvSpPr>
+              <p:nvPr>
+                <p:ph idx="1"/>
+              </p:nvPr>
+            </p:nvSpPr>
+            <p:spPr>
+              <a:xfrm>
+                <a:off x="913795" y="1931542"/>
+                <a:ext cx="9710296" cy="4438436"/>
+              </a:xfrm>
+              <a:blipFill>
+                <a:blip r:embed="rId3"/>
+                <a:stretch>
+                  <a:fillRect l="-1130" t="-2473"/>
+                </a:stretch>
+              </a:blipFill>
+            </p:spPr>
+            <p:txBody>
+              <a:bodyPr/>
+              <a:lstStyle/>
+              <a:p>
+                <a:r>
+                  <a:rPr lang="en-GB">
+                    <a:noFill/>
+                  </a:rPr>
+                  <a:t> </a:t>
+                </a:r>
+              </a:p>
+            </p:txBody>
+          </p:sp>
+        </mc:Fallback>
+      </mc:AlternateContent>
+    </p:spTree>
+    <p:extLst>
+      <p:ext uri="{BB962C8B-B14F-4D97-AF65-F5344CB8AC3E}">
+        <p14:creationId xmlns:p14="http://schemas.microsoft.com/office/powerpoint/2010/main" val="984179950"/>
+      </p:ext>
+    </p:extLst>
+  </p:cSld>
+  <p:clrMapOvr>
+    <a:masterClrMapping/>
+  </p:clrMapOvr>
+</p:sld>
+</file>
+
+<file path=ppt/slides/slide6.xml><?xml version="1.0" encoding="utf-8"?>
+<p:sld xmlns:a="http://schemas.openxmlformats.org/drawingml/2006/main" xmlns:r="http://schemas.openxmlformats.org/officeDocument/2006/relationships" xmlns:p="http://schemas.openxmlformats.org/presentationml/2006/main">
+  <p:cSld>
+    <p:bg>
+      <p:bgPr>
+        <a:blipFill rotWithShape="1">
+          <a:blip r:embed="rId2">
+            <a:duotone>
+              <a:schemeClr val="bg2">
+                <a:shade val="80000"/>
+                <a:lumMod val="80000"/>
+              </a:schemeClr>
+              <a:schemeClr val="bg2">
+                <a:tint val="98000"/>
+              </a:schemeClr>
+            </a:duotone>
+          </a:blip>
+          <a:stretch/>
+        </a:blipFill>
+        <a:effectLst/>
+      </p:bgPr>
+    </p:bg>
+    <p:spTree>
+      <p:nvGrpSpPr>
+        <p:cNvPr id="1" name=""/>
+        <p:cNvGrpSpPr/>
+        <p:nvPr/>
+      </p:nvGrpSpPr>
+      <p:grpSpPr>
+        <a:xfrm>
+          <a:off x="0" y="0"/>
+          <a:ext cx="0" cy="0"/>
+          <a:chOff x="0" y="0"/>
+          <a:chExt cx="0" cy="0"/>
+        </a:xfrm>
+      </p:grpSpPr>
+      <p:sp>
+        <p:nvSpPr>
+          <p:cNvPr id="2" name="Title 1">
+            <a:extLst>
+              <a:ext uri="{FF2B5EF4-FFF2-40B4-BE49-F238E27FC236}">
+                <a16:creationId xmlns:a16="http://schemas.microsoft.com/office/drawing/2014/main" id="{ADD66E0C-CEBB-4743-AC52-7CBE75BEB317}"/>
+              </a:ext>
+            </a:extLst>
+          </p:cNvPr>
+          <p:cNvSpPr>
+            <a:spLocks noGrp="1"/>
+          </p:cNvSpPr>
+          <p:nvPr>
+            <p:ph type="title"/>
+          </p:nvPr>
+        </p:nvSpPr>
+        <p:spPr>
+          <a:xfrm>
+            <a:off x="913795" y="609600"/>
+            <a:ext cx="10353762" cy="1164772"/>
+          </a:xfrm>
+        </p:spPr>
+        <p:txBody>
+          <a:bodyPr>
+            <a:normAutofit/>
+          </a:bodyPr>
+          <a:lstStyle/>
+          <a:p>
+            <a:r>
+              <a:rPr lang="en-US" dirty="0">
+                <a:latin typeface="Times New Roman" panose="02020603050405020304" pitchFamily="18" charset="0"/>
+                <a:cs typeface="Times New Roman" panose="02020603050405020304" pitchFamily="18" charset="0"/>
+              </a:rPr>
+              <a:t>PCA – Steps</a:t>
+            </a:r>
+            <a:endParaRPr lang="en-GB" dirty="0">
+              <a:latin typeface="Times New Roman" panose="02020603050405020304" pitchFamily="18" charset="0"/>
+              <a:cs typeface="Times New Roman" panose="02020603050405020304" pitchFamily="18" charset="0"/>
+            </a:endParaRPr>
+          </a:p>
+        </p:txBody>
+      </p:sp>
+      <mc:AlternateContent xmlns:mc="http://schemas.openxmlformats.org/markup-compatibility/2006">
+        <mc:Choice xmlns:a14="http://schemas.microsoft.com/office/drawing/2010/main" Requires="a14">
+          <p:sp>
+            <p:nvSpPr>
+              <p:cNvPr id="3" name="Content Placeholder 2">
+                <a:extLst>
+                  <a:ext uri="{FF2B5EF4-FFF2-40B4-BE49-F238E27FC236}">
+                    <a16:creationId xmlns:a16="http://schemas.microsoft.com/office/drawing/2014/main" id="{3C9F5026-EDD1-47E7-BCE2-603A9385AD70}"/>
+                  </a:ext>
+                </a:extLst>
+              </p:cNvPr>
+              <p:cNvSpPr>
+                <a:spLocks noGrp="1"/>
+              </p:cNvSpPr>
+              <p:nvPr>
+                <p:ph idx="1"/>
+              </p:nvPr>
+            </p:nvSpPr>
+            <p:spPr>
+              <a:xfrm>
+                <a:off x="913795" y="1931542"/>
+                <a:ext cx="9710296" cy="4438436"/>
+              </a:xfrm>
+            </p:spPr>
+            <p:txBody>
+              <a:bodyPr>
+                <a:normAutofit/>
+              </a:bodyPr>
+              <a:lstStyle/>
+              <a:p>
+                <a:r>
+                  <a:rPr lang="en-US" dirty="0">
+                    <a:latin typeface="Times New Roman" panose="02020603050405020304" pitchFamily="18" charset="0"/>
+                    <a:cs typeface="Times New Roman" panose="02020603050405020304" pitchFamily="18" charset="0"/>
+                  </a:rPr>
+                  <a:t>Compute the covariance matrix </a:t>
+                </a:r>
+                <a14:m>
+                  <m:oMath xmlns:m="http://schemas.openxmlformats.org/officeDocument/2006/math">
+                    <m:r>
+                      <m:rPr>
+                        <m:sty m:val="p"/>
+                      </m:rPr>
+                      <a:rPr lang="el-GR" i="1" smtClean="0">
+                        <a:latin typeface="Cambria Math" panose="02040503050406030204" pitchFamily="18" charset="0"/>
+                        <a:ea typeface="Cambria Math" panose="02040503050406030204" pitchFamily="18" charset="0"/>
+                        <a:cs typeface="Times New Roman" panose="02020603050405020304" pitchFamily="18" charset="0"/>
+                      </a:rPr>
+                      <m:t>Σ</m:t>
+                    </m:r>
+                  </m:oMath>
+                </a14:m>
+                <a:r>
+                  <a:rPr lang="en-US" dirty="0">
+                    <a:latin typeface="Times New Roman" panose="02020603050405020304" pitchFamily="18" charset="0"/>
+                    <a:ea typeface="Cambria Math" panose="02040503050406030204" pitchFamily="18" charset="0"/>
+                    <a:cs typeface="Times New Roman" panose="02020603050405020304" pitchFamily="18" charset="0"/>
+                  </a:rPr>
+                  <a:t>.</a:t>
+                </a:r>
+              </a:p>
+              <a:p>
+                <a:r>
+                  <a:rPr lang="en-US" dirty="0">
+                    <a:latin typeface="Times New Roman" panose="02020603050405020304" pitchFamily="18" charset="0"/>
+                    <a:ea typeface="Cambria Math" panose="02040503050406030204" pitchFamily="18" charset="0"/>
+                    <a:cs typeface="Times New Roman" panose="02020603050405020304" pitchFamily="18" charset="0"/>
+                  </a:rPr>
+                  <a:t>The </a:t>
+                </a:r>
+                <a:r>
+                  <a:rPr lang="en-US" dirty="0">
+                    <a:latin typeface="Times New Roman" panose="02020603050405020304" pitchFamily="18" charset="0"/>
+                    <a:cs typeface="Times New Roman" panose="02020603050405020304" pitchFamily="18" charset="0"/>
+                  </a:rPr>
+                  <a:t>covariance matrix contains the covariance values </a:t>
+                </a:r>
+                <a14:m>
+                  <m:oMath xmlns:m="http://schemas.openxmlformats.org/officeDocument/2006/math">
+                    <m:sSub>
+                      <m:sSubPr>
+                        <m:ctrlPr>
+                          <a:rPr lang="en-US" b="0" i="1" dirty="0" smtClean="0">
+                            <a:solidFill>
+                              <a:srgbClr val="222222"/>
+                            </a:solidFill>
+                            <a:latin typeface="Cambria Math" panose="02040503050406030204" pitchFamily="18" charset="0"/>
+                          </a:rPr>
+                        </m:ctrlPr>
+                      </m:sSubPr>
+                      <m:e>
+                        <m:r>
+                          <a:rPr lang="el-GR" i="1" dirty="0">
+                            <a:solidFill>
+                              <a:srgbClr val="222222"/>
+                            </a:solidFill>
+                            <a:latin typeface="Cambria Math" panose="02040503050406030204" pitchFamily="18" charset="0"/>
+                          </a:rPr>
+                          <m:t>𝜎</m:t>
+                        </m:r>
+                      </m:e>
+                      <m:sub>
+                        <m:r>
+                          <a:rPr lang="en-US" b="0" i="1" dirty="0" smtClean="0">
+                            <a:solidFill>
+                              <a:srgbClr val="222222"/>
+                            </a:solidFill>
+                            <a:latin typeface="Cambria Math" panose="02040503050406030204" pitchFamily="18" charset="0"/>
+                          </a:rPr>
+                          <m:t>𝑗𝑘</m:t>
+                        </m:r>
+                      </m:sub>
+                    </m:sSub>
+                  </m:oMath>
+                </a14:m>
+                <a:r>
+                  <a:rPr lang="en-US" dirty="0">
+                    <a:latin typeface="Times New Roman" panose="02020603050405020304" pitchFamily="18" charset="0"/>
+                    <a:cs typeface="Times New Roman" panose="02020603050405020304" pitchFamily="18" charset="0"/>
+                  </a:rPr>
+                  <a:t> between every pair of features </a:t>
+                </a:r>
+                <a14:m>
+                  <m:oMath xmlns:m="http://schemas.openxmlformats.org/officeDocument/2006/math">
+                    <m:sSub>
+                      <m:sSubPr>
+                        <m:ctrlPr>
+                          <a:rPr lang="en-US" b="0" i="1" smtClean="0">
+                            <a:latin typeface="Cambria Math" panose="02040503050406030204" pitchFamily="18" charset="0"/>
+                            <a:cs typeface="Times New Roman" panose="02020603050405020304" pitchFamily="18" charset="0"/>
+                          </a:rPr>
+                        </m:ctrlPr>
+                      </m:sSubPr>
+                      <m:e>
+                        <m:r>
+                          <a:rPr lang="en-US" b="0" i="1" smtClean="0">
+                            <a:latin typeface="Cambria Math" panose="02040503050406030204" pitchFamily="18" charset="0"/>
+                            <a:cs typeface="Times New Roman" panose="02020603050405020304" pitchFamily="18" charset="0"/>
+                          </a:rPr>
+                          <m:t>𝑥</m:t>
+                        </m:r>
+                      </m:e>
+                      <m:sub>
+                        <m:r>
+                          <a:rPr lang="en-US" b="0" i="1" smtClean="0">
+                            <a:latin typeface="Cambria Math" panose="02040503050406030204" pitchFamily="18" charset="0"/>
+                            <a:cs typeface="Times New Roman" panose="02020603050405020304" pitchFamily="18" charset="0"/>
+                          </a:rPr>
+                          <m:t>𝑗</m:t>
+                        </m:r>
+                      </m:sub>
+                    </m:sSub>
+                  </m:oMath>
+                </a14:m>
+                <a:r>
+                  <a:rPr lang="en-US" dirty="0">
+                    <a:latin typeface="Times New Roman" panose="02020603050405020304" pitchFamily="18" charset="0"/>
+                    <a:cs typeface="Times New Roman" panose="02020603050405020304" pitchFamily="18" charset="0"/>
+                  </a:rPr>
+                  <a:t> and </a:t>
+                </a:r>
+                <a14:m>
+                  <m:oMath xmlns:m="http://schemas.openxmlformats.org/officeDocument/2006/math">
+                    <m:sSub>
+                      <m:sSubPr>
+                        <m:ctrlPr>
+                          <a:rPr lang="en-US" b="0" i="1" smtClean="0">
+                            <a:latin typeface="Cambria Math" panose="02040503050406030204" pitchFamily="18" charset="0"/>
+                            <a:cs typeface="Times New Roman" panose="02020603050405020304" pitchFamily="18" charset="0"/>
+                          </a:rPr>
+                        </m:ctrlPr>
+                      </m:sSubPr>
+                      <m:e>
+                        <m:r>
+                          <a:rPr lang="en-US" b="0" i="1" smtClean="0">
+                            <a:latin typeface="Cambria Math" panose="02040503050406030204" pitchFamily="18" charset="0"/>
+                            <a:cs typeface="Times New Roman" panose="02020603050405020304" pitchFamily="18" charset="0"/>
+                          </a:rPr>
+                          <m:t>𝑥</m:t>
+                        </m:r>
+                      </m:e>
+                      <m:sub>
+                        <m:r>
+                          <a:rPr lang="en-US" b="0" i="1" smtClean="0">
+                            <a:latin typeface="Cambria Math" panose="02040503050406030204" pitchFamily="18" charset="0"/>
+                            <a:cs typeface="Times New Roman" panose="02020603050405020304" pitchFamily="18" charset="0"/>
+                          </a:rPr>
+                          <m:t>𝑘</m:t>
+                        </m:r>
+                      </m:sub>
+                    </m:sSub>
+                  </m:oMath>
+                </a14:m>
+                <a:r>
+                  <a:rPr lang="en-US" dirty="0">
+                    <a:latin typeface="Times New Roman" panose="02020603050405020304" pitchFamily="18" charset="0"/>
+                    <a:cs typeface="Times New Roman" panose="02020603050405020304" pitchFamily="18" charset="0"/>
+                  </a:rPr>
+                  <a:t>.</a:t>
+                </a:r>
+                <a:endParaRPr lang="en-US" dirty="0">
+                  <a:latin typeface="Times New Roman" panose="02020603050405020304" pitchFamily="18" charset="0"/>
+                  <a:ea typeface="Cambria Math" panose="02040503050406030204" pitchFamily="18" charset="0"/>
+                  <a:cs typeface="Times New Roman" panose="02020603050405020304" pitchFamily="18" charset="0"/>
+                </a:endParaRPr>
+              </a:p>
+              <a:p>
+                <a14:m>
+                  <m:oMath xmlns:m="http://schemas.openxmlformats.org/officeDocument/2006/math">
+                    <m:r>
+                      <m:rPr>
+                        <m:sty m:val="p"/>
+                      </m:rPr>
+                      <a:rPr lang="el-GR" i="1" smtClean="0">
+                        <a:latin typeface="Cambria Math" panose="02040503050406030204" pitchFamily="18" charset="0"/>
+                        <a:ea typeface="Cambria Math" panose="02040503050406030204" pitchFamily="18" charset="0"/>
+                        <a:cs typeface="Times New Roman" panose="02020603050405020304" pitchFamily="18" charset="0"/>
+                      </a:rPr>
+                      <m:t>Σ</m:t>
+                    </m:r>
+                    <m:r>
+                      <a:rPr lang="en-US" b="0" i="1" smtClean="0">
+                        <a:latin typeface="Cambria Math" panose="02040503050406030204" pitchFamily="18" charset="0"/>
+                        <a:ea typeface="Cambria Math" panose="02040503050406030204" pitchFamily="18" charset="0"/>
+                        <a:cs typeface="Times New Roman" panose="02020603050405020304" pitchFamily="18" charset="0"/>
+                      </a:rPr>
+                      <m:t>=</m:t>
+                    </m:r>
+                    <m:m>
+                      <m:mPr>
+                        <m:mcs>
+                          <m:mc>
+                            <m:mcPr>
+                              <m:count m:val="3"/>
+                              <m:mcJc m:val="center"/>
+                            </m:mcPr>
+                          </m:mc>
+                        </m:mcs>
+                        <m:ctrlPr>
+                          <a:rPr lang="en-US" b="0" i="1" smtClean="0">
+                            <a:latin typeface="Cambria Math" panose="02040503050406030204" pitchFamily="18" charset="0"/>
+                            <a:ea typeface="Cambria Math" panose="02040503050406030204" pitchFamily="18" charset="0"/>
+                            <a:cs typeface="Times New Roman" panose="02020603050405020304" pitchFamily="18" charset="0"/>
+                          </a:rPr>
+                        </m:ctrlPr>
+                      </m:mPr>
+                      <m:mr>
+                        <m:e>
+                          <m:sSub>
+                            <m:sSubPr>
+                              <m:ctrlPr>
+                                <a:rPr lang="en-US" b="0" i="1" dirty="0" smtClean="0">
+                                  <a:solidFill>
+                                    <a:srgbClr val="222222"/>
+                                  </a:solidFill>
+                                  <a:latin typeface="Cambria Math" panose="02040503050406030204" pitchFamily="18" charset="0"/>
+                                </a:rPr>
+                              </m:ctrlPr>
+                            </m:sSubPr>
+                            <m:e>
+                              <m:r>
+                                <a:rPr lang="el-GR" i="1" dirty="0">
+                                  <a:solidFill>
+                                    <a:srgbClr val="222222"/>
+                                  </a:solidFill>
+                                  <a:latin typeface="Cambria Math" panose="02040503050406030204" pitchFamily="18" charset="0"/>
+                                </a:rPr>
+                                <m:t>𝜎</m:t>
+                              </m:r>
+                            </m:e>
+                            <m:sub>
+                              <m:r>
+                                <a:rPr lang="en-US" b="0" i="1" dirty="0" smtClean="0">
+                                  <a:solidFill>
+                                    <a:srgbClr val="222222"/>
+                                  </a:solidFill>
+                                  <a:latin typeface="Cambria Math" panose="02040503050406030204" pitchFamily="18" charset="0"/>
+                                </a:rPr>
+                                <m:t>11</m:t>
+                              </m:r>
+                            </m:sub>
+                          </m:sSub>
+                        </m:e>
+                        <m:e>
+                          <m:r>
+                            <a:rPr lang="en-US" b="0" i="1" smtClean="0">
+                              <a:latin typeface="Cambria Math" panose="02040503050406030204" pitchFamily="18" charset="0"/>
+                              <a:ea typeface="Cambria Math" panose="02040503050406030204" pitchFamily="18" charset="0"/>
+                              <a:cs typeface="Times New Roman" panose="02020603050405020304" pitchFamily="18" charset="0"/>
+                            </a:rPr>
+                            <m:t>…</m:t>
+                          </m:r>
+                        </m:e>
+                        <m:e>
+                          <m:sSub>
+                            <m:sSubPr>
+                              <m:ctrlPr>
+                                <a:rPr lang="en-US" b="0" i="1" dirty="0" smtClean="0">
+                                  <a:solidFill>
+                                    <a:srgbClr val="222222"/>
+                                  </a:solidFill>
+                                  <a:latin typeface="Cambria Math" panose="02040503050406030204" pitchFamily="18" charset="0"/>
+                                </a:rPr>
+                              </m:ctrlPr>
+                            </m:sSubPr>
+                            <m:e>
+                              <m:r>
+                                <a:rPr lang="el-GR" i="1" dirty="0">
+                                  <a:solidFill>
+                                    <a:srgbClr val="222222"/>
+                                  </a:solidFill>
+                                  <a:latin typeface="Cambria Math" panose="02040503050406030204" pitchFamily="18" charset="0"/>
+                                </a:rPr>
+                                <m:t>𝜎</m:t>
+                              </m:r>
+                            </m:e>
+                            <m:sub>
+                              <m:r>
+                                <a:rPr lang="en-US" b="0" i="1" dirty="0" smtClean="0">
+                                  <a:solidFill>
+                                    <a:srgbClr val="222222"/>
+                                  </a:solidFill>
+                                  <a:latin typeface="Cambria Math" panose="02040503050406030204" pitchFamily="18" charset="0"/>
+                                </a:rPr>
+                                <m:t>1</m:t>
+                              </m:r>
+                              <m:r>
+                                <a:rPr lang="en-US" b="0" i="1" dirty="0" smtClean="0">
+                                  <a:solidFill>
+                                    <a:srgbClr val="222222"/>
+                                  </a:solidFill>
+                                  <a:latin typeface="Cambria Math" panose="02040503050406030204" pitchFamily="18" charset="0"/>
+                                </a:rPr>
+                                <m:t>𝑛</m:t>
+                              </m:r>
+                            </m:sub>
+                          </m:sSub>
+                        </m:e>
+                      </m:mr>
+                      <m:mr>
+                        <m:e>
+                          <m:r>
+                            <m:rPr>
+                              <m:nor/>
+                            </m:rPr>
+                            <a:rPr lang="en-GB"/>
+                            <m:t>⋮</m:t>
+                          </m:r>
+                        </m:e>
+                        <m:e>
+                          <m:r>
+                            <m:rPr>
+                              <m:nor/>
+                            </m:rPr>
+                            <a:rPr lang="en-GB"/>
+                            <m:t>⋱</m:t>
+                          </m:r>
+                        </m:e>
+                        <m:e>
+                          <m:r>
+                            <m:rPr>
+                              <m:nor/>
+                            </m:rPr>
+                            <a:rPr lang="en-GB"/>
+                            <m:t>⋮</m:t>
+                          </m:r>
+                        </m:e>
+                      </m:mr>
+                      <m:mr>
+                        <m:e>
+                          <m:sSub>
+                            <m:sSubPr>
+                              <m:ctrlPr>
+                                <a:rPr lang="en-US" b="0" i="1" dirty="0" smtClean="0">
+                                  <a:solidFill>
+                                    <a:srgbClr val="222222"/>
+                                  </a:solidFill>
+                                  <a:latin typeface="Cambria Math" panose="02040503050406030204" pitchFamily="18" charset="0"/>
+                                </a:rPr>
+                              </m:ctrlPr>
+                            </m:sSubPr>
+                            <m:e>
+                              <m:r>
+                                <a:rPr lang="el-GR" i="1" dirty="0">
+                                  <a:solidFill>
+                                    <a:srgbClr val="222222"/>
+                                  </a:solidFill>
+                                  <a:latin typeface="Cambria Math" panose="02040503050406030204" pitchFamily="18" charset="0"/>
+                                </a:rPr>
+                                <m:t>𝜎</m:t>
+                              </m:r>
+                            </m:e>
+                            <m:sub>
+                              <m:r>
+                                <a:rPr lang="en-US" b="0" i="1" dirty="0" smtClean="0">
+                                  <a:solidFill>
+                                    <a:srgbClr val="222222"/>
+                                  </a:solidFill>
+                                  <a:latin typeface="Cambria Math" panose="02040503050406030204" pitchFamily="18" charset="0"/>
+                                </a:rPr>
+                                <m:t>𝑛</m:t>
+                              </m:r>
+                              <m:r>
+                                <a:rPr lang="en-US" b="0" i="1" dirty="0" smtClean="0">
+                                  <a:solidFill>
+                                    <a:srgbClr val="222222"/>
+                                  </a:solidFill>
+                                  <a:latin typeface="Cambria Math" panose="02040503050406030204" pitchFamily="18" charset="0"/>
+                                </a:rPr>
+                                <m:t>1</m:t>
+                              </m:r>
+                            </m:sub>
+                          </m:sSub>
+                        </m:e>
+                        <m:e>
+                          <m:r>
+                            <a:rPr lang="en-US" b="0" i="1" smtClean="0">
+                              <a:latin typeface="Cambria Math" panose="02040503050406030204" pitchFamily="18" charset="0"/>
+                              <a:ea typeface="Cambria Math" panose="02040503050406030204" pitchFamily="18" charset="0"/>
+                              <a:cs typeface="Times New Roman" panose="02020603050405020304" pitchFamily="18" charset="0"/>
+                            </a:rPr>
+                            <m:t>…</m:t>
+                          </m:r>
+                        </m:e>
+                        <m:e>
+                          <m:sSub>
+                            <m:sSubPr>
+                              <m:ctrlPr>
+                                <a:rPr lang="en-US" b="0" i="1" dirty="0" smtClean="0">
+                                  <a:solidFill>
+                                    <a:srgbClr val="222222"/>
+                                  </a:solidFill>
+                                  <a:latin typeface="Cambria Math" panose="02040503050406030204" pitchFamily="18" charset="0"/>
+                                </a:rPr>
+                              </m:ctrlPr>
+                            </m:sSubPr>
+                            <m:e>
+                              <m:r>
+                                <a:rPr lang="el-GR" i="1" dirty="0">
+                                  <a:solidFill>
+                                    <a:srgbClr val="222222"/>
+                                  </a:solidFill>
+                                  <a:latin typeface="Cambria Math" panose="02040503050406030204" pitchFamily="18" charset="0"/>
+                                </a:rPr>
+                                <m:t>𝜎</m:t>
+                              </m:r>
+                            </m:e>
+                            <m:sub>
+                              <m:r>
+                                <a:rPr lang="en-US" b="0" i="1" dirty="0" smtClean="0">
+                                  <a:solidFill>
+                                    <a:srgbClr val="222222"/>
+                                  </a:solidFill>
+                                  <a:latin typeface="Cambria Math" panose="02040503050406030204" pitchFamily="18" charset="0"/>
+                                </a:rPr>
+                                <m:t>𝑛𝑛</m:t>
+                              </m:r>
+                            </m:sub>
+                          </m:sSub>
+                        </m:e>
+                      </m:mr>
+                    </m:m>
+                  </m:oMath>
+                </a14:m>
+                <a:endParaRPr lang="en-US" dirty="0">
+                  <a:latin typeface="Times New Roman" panose="02020603050405020304" pitchFamily="18" charset="0"/>
+                  <a:cs typeface="Times New Roman" panose="02020603050405020304" pitchFamily="18" charset="0"/>
+                </a:endParaRPr>
+              </a:p>
+              <a:p>
+                <a14:m>
+                  <m:oMath xmlns:m="http://schemas.openxmlformats.org/officeDocument/2006/math">
+                    <m:sSub>
+                      <m:sSubPr>
+                        <m:ctrlPr>
+                          <a:rPr lang="en-US" b="0" i="1" dirty="0" smtClean="0">
+                            <a:solidFill>
+                              <a:srgbClr val="222222"/>
+                            </a:solidFill>
+                            <a:effectLst/>
+                            <a:latin typeface="Cambria Math" panose="02040503050406030204" pitchFamily="18" charset="0"/>
+                          </a:rPr>
+                        </m:ctrlPr>
+                      </m:sSubPr>
+                      <m:e>
+                        <m:r>
+                          <a:rPr lang="el-GR" b="0" i="1" dirty="0" smtClean="0">
+                            <a:solidFill>
+                              <a:srgbClr val="222222"/>
+                            </a:solidFill>
+                            <a:effectLst/>
+                            <a:latin typeface="Cambria Math" panose="02040503050406030204" pitchFamily="18" charset="0"/>
+                          </a:rPr>
+                          <m:t>𝜎</m:t>
+                        </m:r>
+                      </m:e>
+                      <m:sub>
+                        <m:r>
+                          <a:rPr lang="en-GB" b="0" i="1" dirty="0" err="1" smtClean="0">
+                            <a:solidFill>
+                              <a:srgbClr val="222222"/>
+                            </a:solidFill>
+                            <a:effectLst/>
+                            <a:latin typeface="Cambria Math" panose="02040503050406030204" pitchFamily="18" charset="0"/>
+                          </a:rPr>
+                          <m:t>𝑗𝑘</m:t>
+                        </m:r>
+                      </m:sub>
+                    </m:sSub>
+                    <m:r>
+                      <a:rPr lang="en-GB" b="0" i="1" dirty="0" smtClean="0">
+                        <a:solidFill>
+                          <a:srgbClr val="222222"/>
+                        </a:solidFill>
+                        <a:effectLst/>
+                        <a:latin typeface="Cambria Math" panose="02040503050406030204" pitchFamily="18" charset="0"/>
+                      </a:rPr>
+                      <m:t>​=</m:t>
+                    </m:r>
+                    <m:f>
+                      <m:fPr>
+                        <m:ctrlPr>
+                          <a:rPr lang="en-US" b="0" i="1" dirty="0" smtClean="0">
+                            <a:solidFill>
+                              <a:srgbClr val="222222"/>
+                            </a:solidFill>
+                            <a:effectLst/>
+                            <a:latin typeface="Cambria Math" panose="02040503050406030204" pitchFamily="18" charset="0"/>
+                          </a:rPr>
+                        </m:ctrlPr>
+                      </m:fPr>
+                      <m:num>
+                        <m:r>
+                          <a:rPr lang="en-US" b="0" i="1" dirty="0" smtClean="0">
+                            <a:solidFill>
+                              <a:srgbClr val="222222"/>
+                            </a:solidFill>
+                            <a:effectLst/>
+                            <a:latin typeface="Cambria Math" panose="02040503050406030204" pitchFamily="18" charset="0"/>
+                          </a:rPr>
+                          <m:t>1</m:t>
+                        </m:r>
+                      </m:num>
+                      <m:den>
+                        <m:r>
+                          <a:rPr lang="en-US" b="0" i="1" dirty="0" smtClean="0">
+                            <a:solidFill>
+                              <a:srgbClr val="222222"/>
+                            </a:solidFill>
+                            <a:effectLst/>
+                            <a:latin typeface="Cambria Math" panose="02040503050406030204" pitchFamily="18" charset="0"/>
+                          </a:rPr>
+                          <m:t>𝑛</m:t>
+                        </m:r>
+                        <m:r>
+                          <a:rPr lang="en-US" b="0" i="1" dirty="0" smtClean="0">
+                            <a:solidFill>
+                              <a:srgbClr val="222222"/>
+                            </a:solidFill>
+                            <a:effectLst/>
+                            <a:latin typeface="Cambria Math" panose="02040503050406030204" pitchFamily="18" charset="0"/>
+                          </a:rPr>
+                          <m:t>−1</m:t>
+                        </m:r>
+                      </m:den>
+                    </m:f>
+                    <m:r>
+                      <a:rPr lang="en-GB" b="0" i="1" dirty="0" smtClean="0">
+                        <a:solidFill>
+                          <a:srgbClr val="222222"/>
+                        </a:solidFill>
+                        <a:effectLst/>
+                        <a:latin typeface="Cambria Math" panose="02040503050406030204" pitchFamily="18" charset="0"/>
+                      </a:rPr>
+                      <m:t>​</m:t>
+                    </m:r>
+                    <m:nary>
+                      <m:naryPr>
+                        <m:chr m:val="∑"/>
+                        <m:ctrlPr>
+                          <a:rPr lang="en-GB" b="0" i="1" dirty="0" smtClean="0">
+                            <a:solidFill>
+                              <a:srgbClr val="222222"/>
+                            </a:solidFill>
+                            <a:effectLst/>
+                            <a:latin typeface="Cambria Math" panose="02040503050406030204" pitchFamily="18" charset="0"/>
+                          </a:rPr>
+                        </m:ctrlPr>
+                      </m:naryPr>
+                      <m:sub>
+                        <m:r>
+                          <m:rPr>
+                            <m:brk m:alnAt="23"/>
+                          </m:rPr>
+                          <a:rPr lang="en-US" b="0" i="1" dirty="0" smtClean="0">
+                            <a:solidFill>
+                              <a:srgbClr val="222222"/>
+                            </a:solidFill>
+                            <a:effectLst/>
+                            <a:latin typeface="Cambria Math" panose="02040503050406030204" pitchFamily="18" charset="0"/>
+                          </a:rPr>
+                          <m:t>𝑖</m:t>
+                        </m:r>
+                        <m:r>
+                          <a:rPr lang="en-US" b="0" i="1" dirty="0" smtClean="0">
+                            <a:solidFill>
+                              <a:srgbClr val="222222"/>
+                            </a:solidFill>
+                            <a:effectLst/>
+                            <a:latin typeface="Cambria Math" panose="02040503050406030204" pitchFamily="18" charset="0"/>
+                          </a:rPr>
+                          <m:t>=1</m:t>
+                        </m:r>
+                      </m:sub>
+                      <m:sup>
+                        <m:r>
+                          <a:rPr lang="en-US" b="0" i="1" dirty="0" smtClean="0">
+                            <a:solidFill>
+                              <a:srgbClr val="222222"/>
+                            </a:solidFill>
+                            <a:effectLst/>
+                            <a:latin typeface="Cambria Math" panose="02040503050406030204" pitchFamily="18" charset="0"/>
+                          </a:rPr>
+                          <m:t>𝑛</m:t>
+                        </m:r>
+                      </m:sup>
+                      <m:e>
+                        <m:r>
+                          <a:rPr lang="en-GB" i="1" dirty="0">
+                            <a:solidFill>
+                              <a:srgbClr val="222222"/>
+                            </a:solidFill>
+                            <a:latin typeface="Cambria Math" panose="02040503050406030204" pitchFamily="18" charset="0"/>
+                          </a:rPr>
+                          <m:t>​(</m:t>
+                        </m:r>
+                        <m:sSubSup>
+                          <m:sSubSupPr>
+                            <m:ctrlPr>
+                              <a:rPr lang="en-US" b="0" i="1" dirty="0" smtClean="0">
+                                <a:solidFill>
+                                  <a:srgbClr val="222222"/>
+                                </a:solidFill>
+                                <a:latin typeface="Cambria Math" panose="02040503050406030204" pitchFamily="18" charset="0"/>
+                              </a:rPr>
+                            </m:ctrlPr>
+                          </m:sSubSupPr>
+                          <m:e>
+                            <m:r>
+                              <a:rPr lang="en-US" b="0" i="1" dirty="0" smtClean="0">
+                                <a:solidFill>
+                                  <a:srgbClr val="222222"/>
+                                </a:solidFill>
+                                <a:latin typeface="Cambria Math" panose="02040503050406030204" pitchFamily="18" charset="0"/>
+                              </a:rPr>
+                              <m:t>𝑥</m:t>
+                            </m:r>
+                          </m:e>
+                          <m:sub>
+                            <m:r>
+                              <a:rPr lang="en-GB" i="1" dirty="0" err="1">
+                                <a:solidFill>
+                                  <a:srgbClr val="222222"/>
+                                </a:solidFill>
+                                <a:latin typeface="Cambria Math" panose="02040503050406030204" pitchFamily="18" charset="0"/>
+                              </a:rPr>
+                              <m:t>𝑗</m:t>
+                            </m:r>
+                          </m:sub>
+                          <m:sup>
+                            <m:r>
+                              <a:rPr lang="en-US" b="0" i="1" dirty="0" smtClean="0">
+                                <a:solidFill>
+                                  <a:srgbClr val="222222"/>
+                                </a:solidFill>
+                                <a:latin typeface="Cambria Math" panose="02040503050406030204" pitchFamily="18" charset="0"/>
+                              </a:rPr>
+                              <m:t>𝑖</m:t>
+                            </m:r>
+                          </m:sup>
+                        </m:sSubSup>
+                        <m:r>
+                          <a:rPr lang="en-GB" i="1" dirty="0">
+                            <a:solidFill>
+                              <a:srgbClr val="222222"/>
+                            </a:solidFill>
+                            <a:latin typeface="Cambria Math" panose="02040503050406030204" pitchFamily="18" charset="0"/>
+                          </a:rPr>
+                          <m:t>​−</m:t>
+                        </m:r>
+                        <m:sSub>
+                          <m:sSubPr>
+                            <m:ctrlPr>
+                              <a:rPr lang="en-US" b="0" i="1" dirty="0" smtClean="0">
+                                <a:solidFill>
+                                  <a:srgbClr val="222222"/>
+                                </a:solidFill>
+                                <a:latin typeface="Cambria Math" panose="02040503050406030204" pitchFamily="18" charset="0"/>
+                              </a:rPr>
+                            </m:ctrlPr>
+                          </m:sSubPr>
+                          <m:e>
+                            <m:r>
+                              <a:rPr lang="el-GR" i="1" dirty="0">
+                                <a:solidFill>
+                                  <a:srgbClr val="222222"/>
+                                </a:solidFill>
+                                <a:latin typeface="Cambria Math" panose="02040503050406030204" pitchFamily="18" charset="0"/>
+                              </a:rPr>
+                              <m:t>𝜇</m:t>
+                            </m:r>
+                          </m:e>
+                          <m:sub>
+                            <m:r>
+                              <a:rPr lang="en-GB" i="1" dirty="0">
+                                <a:solidFill>
+                                  <a:srgbClr val="222222"/>
+                                </a:solidFill>
+                                <a:latin typeface="Cambria Math" panose="02040503050406030204" pitchFamily="18" charset="0"/>
+                              </a:rPr>
+                              <m:t>𝑗</m:t>
+                            </m:r>
+                          </m:sub>
+                        </m:sSub>
+                        <m:r>
+                          <a:rPr lang="en-GB" i="1" dirty="0">
+                            <a:solidFill>
+                              <a:srgbClr val="222222"/>
+                            </a:solidFill>
+                            <a:latin typeface="Cambria Math" panose="02040503050406030204" pitchFamily="18" charset="0"/>
+                          </a:rPr>
+                          <m:t>​)(</m:t>
+                        </m:r>
+                        <m:sSubSup>
+                          <m:sSubSupPr>
+                            <m:ctrlPr>
+                              <a:rPr lang="en-US" b="0" i="1" dirty="0" smtClean="0">
+                                <a:solidFill>
+                                  <a:srgbClr val="222222"/>
+                                </a:solidFill>
+                                <a:latin typeface="Cambria Math" panose="02040503050406030204" pitchFamily="18" charset="0"/>
+                              </a:rPr>
+                            </m:ctrlPr>
+                          </m:sSubSupPr>
+                          <m:e>
+                            <m:r>
+                              <a:rPr lang="en-GB" i="1" dirty="0" err="1">
+                                <a:solidFill>
+                                  <a:srgbClr val="222222"/>
+                                </a:solidFill>
+                                <a:latin typeface="Cambria Math" panose="02040503050406030204" pitchFamily="18" charset="0"/>
+                              </a:rPr>
+                              <m:t>𝑥</m:t>
+                            </m:r>
+                          </m:e>
+                          <m:sub>
+                            <m:r>
+                              <a:rPr lang="en-GB" i="1" dirty="0" err="1">
+                                <a:solidFill>
+                                  <a:srgbClr val="222222"/>
+                                </a:solidFill>
+                                <a:latin typeface="Cambria Math" panose="02040503050406030204" pitchFamily="18" charset="0"/>
+                              </a:rPr>
+                              <m:t>𝑘</m:t>
+                            </m:r>
+                          </m:sub>
+                          <m:sup>
+                            <m:r>
+                              <a:rPr lang="en-US" b="0" i="1" dirty="0" smtClean="0">
+                                <a:solidFill>
+                                  <a:srgbClr val="222222"/>
+                                </a:solidFill>
+                                <a:latin typeface="Cambria Math" panose="02040503050406030204" pitchFamily="18" charset="0"/>
+                              </a:rPr>
+                              <m:t>𝑖</m:t>
+                            </m:r>
+                          </m:sup>
+                        </m:sSubSup>
+                        <m:r>
+                          <a:rPr lang="en-GB" i="1" dirty="0">
+                            <a:solidFill>
+                              <a:srgbClr val="222222"/>
+                            </a:solidFill>
+                            <a:latin typeface="Cambria Math" panose="02040503050406030204" pitchFamily="18" charset="0"/>
+                          </a:rPr>
+                          <m:t>​−</m:t>
+                        </m:r>
+                        <m:sSub>
+                          <m:sSubPr>
+                            <m:ctrlPr>
+                              <a:rPr lang="en-US" b="0" i="1" dirty="0" smtClean="0">
+                                <a:solidFill>
+                                  <a:srgbClr val="222222"/>
+                                </a:solidFill>
+                                <a:latin typeface="Cambria Math" panose="02040503050406030204" pitchFamily="18" charset="0"/>
+                              </a:rPr>
+                            </m:ctrlPr>
+                          </m:sSubPr>
+                          <m:e>
+                            <m:r>
+                              <a:rPr lang="el-GR" i="1" dirty="0">
+                                <a:solidFill>
+                                  <a:srgbClr val="222222"/>
+                                </a:solidFill>
+                                <a:latin typeface="Cambria Math" panose="02040503050406030204" pitchFamily="18" charset="0"/>
+                              </a:rPr>
+                              <m:t>𝜇</m:t>
+                            </m:r>
+                          </m:e>
+                          <m:sub>
+                            <m:r>
+                              <a:rPr lang="en-GB" i="1" dirty="0">
+                                <a:solidFill>
+                                  <a:srgbClr val="222222"/>
+                                </a:solidFill>
+                                <a:latin typeface="Cambria Math" panose="02040503050406030204" pitchFamily="18" charset="0"/>
+                              </a:rPr>
+                              <m:t>𝑘</m:t>
+                            </m:r>
+                          </m:sub>
+                        </m:sSub>
+                        <m:r>
+                          <a:rPr lang="en-GB" i="1" dirty="0">
+                            <a:solidFill>
+                              <a:srgbClr val="222222"/>
+                            </a:solidFill>
+                            <a:latin typeface="Cambria Math" panose="02040503050406030204" pitchFamily="18" charset="0"/>
+                          </a:rPr>
+                          <m:t>​)</m:t>
+                        </m:r>
+                      </m:e>
+                    </m:nary>
+                  </m:oMath>
+                </a14:m>
+                <a:endParaRPr lang="en-US" dirty="0">
+                  <a:latin typeface="Times New Roman" panose="02020603050405020304" pitchFamily="18" charset="0"/>
+                  <a:cs typeface="Times New Roman" panose="02020603050405020304" pitchFamily="18" charset="0"/>
+                </a:endParaRPr>
+              </a:p>
+              <a:p>
+                <a:endParaRPr lang="en-US" dirty="0">
+                  <a:latin typeface="Times New Roman" panose="02020603050405020304" pitchFamily="18" charset="0"/>
+                  <a:cs typeface="Times New Roman" panose="02020603050405020304" pitchFamily="18" charset="0"/>
+                </a:endParaRPr>
+              </a:p>
+              <a:p>
+                <a:endParaRPr lang="en-US" dirty="0">
+                  <a:latin typeface="Times New Roman" panose="02020603050405020304" pitchFamily="18" charset="0"/>
+                  <a:cs typeface="Times New Roman" panose="02020603050405020304" pitchFamily="18" charset="0"/>
+                </a:endParaRPr>
+              </a:p>
+            </p:txBody>
+          </p:sp>
+        </mc:Choice>
+        <mc:Fallback>
+          <p:sp>
+            <p:nvSpPr>
+              <p:cNvPr id="3" name="Content Placeholder 2">
+                <a:extLst>
+                  <a:ext uri="{FF2B5EF4-FFF2-40B4-BE49-F238E27FC236}">
+                    <a16:creationId xmlns:a16="http://schemas.microsoft.com/office/drawing/2014/main" id="{3C9F5026-EDD1-47E7-BCE2-603A9385AD70}"/>
+                  </a:ext>
+                </a:extLst>
+              </p:cNvPr>
+              <p:cNvSpPr>
+                <a:spLocks noGrp="1" noRot="1" noChangeAspect="1" noMove="1" noResize="1" noEditPoints="1" noAdjustHandles="1" noChangeArrowheads="1" noChangeShapeType="1" noTextEdit="1"/>
+              </p:cNvSpPr>
+              <p:nvPr>
+                <p:ph idx="1"/>
+              </p:nvPr>
+            </p:nvSpPr>
+            <p:spPr>
+              <a:xfrm>
+                <a:off x="913795" y="1931542"/>
+                <a:ext cx="9710296" cy="4438436"/>
+              </a:xfrm>
+              <a:blipFill>
+                <a:blip r:embed="rId3"/>
+                <a:stretch>
+                  <a:fillRect l="-1130" t="-2473"/>
+                </a:stretch>
+              </a:blipFill>
+            </p:spPr>
+            <p:txBody>
+              <a:bodyPr/>
+              <a:lstStyle/>
+              <a:p>
+                <a:r>
+                  <a:rPr lang="en-GB">
+                    <a:noFill/>
+                  </a:rPr>
+                  <a:t> </a:t>
+                </a:r>
+              </a:p>
+            </p:txBody>
+          </p:sp>
+        </mc:Fallback>
+      </mc:AlternateContent>
+      <p:sp>
+        <p:nvSpPr>
+          <p:cNvPr id="5" name="AutoShape 4" descr="\ddots">
+            <a:extLst>
+              <a:ext uri="{FF2B5EF4-FFF2-40B4-BE49-F238E27FC236}">
+                <a16:creationId xmlns:a16="http://schemas.microsoft.com/office/drawing/2014/main" id="{8B7F9DCD-FA35-4D4C-BBB8-B414B0947F66}"/>
+              </a:ext>
+            </a:extLst>
+          </p:cNvPr>
+          <p:cNvSpPr>
+            <a:spLocks noChangeAspect="1" noChangeArrowheads="1"/>
+          </p:cNvSpPr>
+          <p:nvPr/>
+        </p:nvSpPr>
+        <p:spPr bwMode="auto">
+          <a:xfrm>
+            <a:off x="6096000" y="3429000"/>
+            <a:ext cx="304800" cy="304800"/>
+          </a:xfrm>
+          <a:prstGeom prst="rect">
+            <a:avLst/>
+          </a:prstGeom>
+          <a:noFill/>
+          <a:extLst>
+            <a:ext uri="{909E8E84-426E-40DD-AFC4-6F175D3DCCD1}">
+              <a14:hiddenFill xmlns:a14="http://schemas.microsoft.com/office/drawing/2010/main">
+                <a:solidFill>
+                  <a:srgbClr val="FFFFFF"/>
+                </a:solidFill>
+              </a14:hiddenFill>
+            </a:ext>
+          </a:extLst>
+        </p:spPr>
+        <p:txBody>
+          <a:bodyPr vert="horz" wrap="square" lIns="91440" tIns="45720" rIns="91440" bIns="45720" numCol="1" anchor="t" anchorCtr="0" compatLnSpc="1">
+            <a:prstTxWarp prst="textNoShape">
+              <a:avLst/>
+            </a:prstTxWarp>
+          </a:bodyPr>
+          <a:lstStyle/>
+          <a:p>
+            <a:endParaRPr lang="en-GB"/>
+          </a:p>
+        </p:txBody>
+      </p:sp>
+    </p:spTree>
+    <p:extLst>
+      <p:ext uri="{BB962C8B-B14F-4D97-AF65-F5344CB8AC3E}">
+        <p14:creationId xmlns:p14="http://schemas.microsoft.com/office/powerpoint/2010/main" val="4047105974"/>
+      </p:ext>
+    </p:extLst>
+  </p:cSld>
+  <p:clrMapOvr>
+    <a:masterClrMapping/>
+  </p:clrMapOvr>
+</p:sld>
+</file>
+
+<file path=ppt/slides/slide7.xml><?xml version="1.0" encoding="utf-8"?>
+<p:sld xmlns:a="http://schemas.openxmlformats.org/drawingml/2006/main" xmlns:r="http://schemas.openxmlformats.org/officeDocument/2006/relationships" xmlns:p="http://schemas.openxmlformats.org/presentationml/2006/main">
+  <p:cSld>
+    <p:bg>
+      <p:bgPr>
+        <a:blipFill rotWithShape="1">
+          <a:blip r:embed="rId2">
+            <a:duotone>
+              <a:schemeClr val="bg2">
+                <a:shade val="80000"/>
+                <a:lumMod val="80000"/>
+              </a:schemeClr>
+              <a:schemeClr val="bg2">
+                <a:tint val="98000"/>
+              </a:schemeClr>
+            </a:duotone>
+          </a:blip>
+          <a:stretch/>
+        </a:blipFill>
+        <a:effectLst/>
+      </p:bgPr>
+    </p:bg>
+    <p:spTree>
+      <p:nvGrpSpPr>
+        <p:cNvPr id="1" name=""/>
+        <p:cNvGrpSpPr/>
+        <p:nvPr/>
+      </p:nvGrpSpPr>
+      <p:grpSpPr>
+        <a:xfrm>
+          <a:off x="0" y="0"/>
+          <a:ext cx="0" cy="0"/>
+          <a:chOff x="0" y="0"/>
+          <a:chExt cx="0" cy="0"/>
+        </a:xfrm>
+      </p:grpSpPr>
+      <p:sp>
+        <p:nvSpPr>
+          <p:cNvPr id="2" name="Title 1">
+            <a:extLst>
+              <a:ext uri="{FF2B5EF4-FFF2-40B4-BE49-F238E27FC236}">
+                <a16:creationId xmlns:a16="http://schemas.microsoft.com/office/drawing/2014/main" id="{ADD66E0C-CEBB-4743-AC52-7CBE75BEB317}"/>
+              </a:ext>
+            </a:extLst>
+          </p:cNvPr>
+          <p:cNvSpPr>
+            <a:spLocks noGrp="1"/>
+          </p:cNvSpPr>
+          <p:nvPr>
+            <p:ph type="title"/>
+          </p:nvPr>
+        </p:nvSpPr>
+        <p:spPr>
+          <a:xfrm>
+            <a:off x="913795" y="609600"/>
+            <a:ext cx="10353762" cy="1164772"/>
+          </a:xfrm>
+        </p:spPr>
+        <p:txBody>
+          <a:bodyPr>
+            <a:normAutofit/>
+          </a:bodyPr>
+          <a:lstStyle/>
+          <a:p>
+            <a:r>
+              <a:rPr lang="en-US" dirty="0">
+                <a:latin typeface="Times New Roman" panose="02020603050405020304" pitchFamily="18" charset="0"/>
+                <a:cs typeface="Times New Roman" panose="02020603050405020304" pitchFamily="18" charset="0"/>
+              </a:rPr>
+              <a:t>PCA – Steps</a:t>
+            </a:r>
+            <a:endParaRPr lang="en-GB" dirty="0">
+              <a:latin typeface="Times New Roman" panose="02020603050405020304" pitchFamily="18" charset="0"/>
+              <a:cs typeface="Times New Roman" panose="02020603050405020304" pitchFamily="18" charset="0"/>
+            </a:endParaRPr>
+          </a:p>
+        </p:txBody>
+      </p:sp>
+      <p:sp>
+        <p:nvSpPr>
+          <p:cNvPr id="3" name="Content Placeholder 2">
+            <a:extLst>
+              <a:ext uri="{FF2B5EF4-FFF2-40B4-BE49-F238E27FC236}">
+                <a16:creationId xmlns:a16="http://schemas.microsoft.com/office/drawing/2014/main" id="{3C9F5026-EDD1-47E7-BCE2-603A9385AD70}"/>
+              </a:ext>
+            </a:extLst>
+          </p:cNvPr>
+          <p:cNvSpPr>
+            <a:spLocks noGrp="1"/>
+          </p:cNvSpPr>
+          <p:nvPr>
+            <p:ph idx="1"/>
+          </p:nvPr>
+        </p:nvSpPr>
+        <p:spPr>
+          <a:xfrm>
+            <a:off x="913795" y="1931542"/>
+            <a:ext cx="9710296" cy="4438436"/>
+          </a:xfrm>
+        </p:spPr>
+        <p:txBody>
+          <a:bodyPr>
+            <a:normAutofit/>
+          </a:bodyPr>
+          <a:lstStyle/>
+          <a:p>
+            <a:r>
+              <a:rPr lang="en-US" dirty="0">
+                <a:latin typeface="Times New Roman" panose="02020603050405020304" pitchFamily="18" charset="0"/>
+                <a:cs typeface="Times New Roman" panose="02020603050405020304" pitchFamily="18" charset="0"/>
+              </a:rPr>
+              <a:t>Perform eigen decomposition</a:t>
+            </a:r>
+            <a:endParaRPr lang="en-US" dirty="0">
+              <a:latin typeface="Times New Roman" panose="02020603050405020304" pitchFamily="18" charset="0"/>
+              <a:ea typeface="Cambria Math" panose="02040503050406030204" pitchFamily="18" charset="0"/>
+              <a:cs typeface="Times New Roman" panose="02020603050405020304" pitchFamily="18" charset="0"/>
+            </a:endParaRPr>
+          </a:p>
+          <a:p>
+            <a:endParaRPr lang="en-US" dirty="0">
+              <a:latin typeface="Times New Roman" panose="02020603050405020304" pitchFamily="18" charset="0"/>
+              <a:cs typeface="Times New Roman" panose="02020603050405020304" pitchFamily="18" charset="0"/>
+            </a:endParaRPr>
+          </a:p>
+        </p:txBody>
+      </p:sp>
+      <p:sp>
+        <p:nvSpPr>
+          <p:cNvPr id="5" name="AutoShape 4" descr="\ddots">
+            <a:extLst>
+              <a:ext uri="{FF2B5EF4-FFF2-40B4-BE49-F238E27FC236}">
+                <a16:creationId xmlns:a16="http://schemas.microsoft.com/office/drawing/2014/main" id="{8B7F9DCD-FA35-4D4C-BBB8-B414B0947F66}"/>
+              </a:ext>
+            </a:extLst>
+          </p:cNvPr>
+          <p:cNvSpPr>
+            <a:spLocks noChangeAspect="1" noChangeArrowheads="1"/>
+          </p:cNvSpPr>
+          <p:nvPr/>
+        </p:nvSpPr>
+        <p:spPr bwMode="auto">
+          <a:xfrm>
+            <a:off x="6096000" y="3429000"/>
+            <a:ext cx="304800" cy="304800"/>
+          </a:xfrm>
+          <a:prstGeom prst="rect">
+            <a:avLst/>
+          </a:prstGeom>
+          <a:noFill/>
+          <a:extLst>
+            <a:ext uri="{909E8E84-426E-40DD-AFC4-6F175D3DCCD1}">
+              <a14:hiddenFill xmlns:a14="http://schemas.microsoft.com/office/drawing/2010/main">
+                <a:solidFill>
+                  <a:srgbClr val="FFFFFF"/>
+                </a:solidFill>
+              </a14:hiddenFill>
+            </a:ext>
+          </a:extLst>
+        </p:spPr>
+        <p:txBody>
+          <a:bodyPr vert="horz" wrap="square" lIns="91440" tIns="45720" rIns="91440" bIns="45720" numCol="1" anchor="t" anchorCtr="0" compatLnSpc="1">
+            <a:prstTxWarp prst="textNoShape">
+              <a:avLst/>
+            </a:prstTxWarp>
+          </a:bodyPr>
+          <a:lstStyle/>
+          <a:p>
+            <a:endParaRPr lang="en-GB"/>
+          </a:p>
+        </p:txBody>
+      </p:sp>
+    </p:spTree>
+    <p:extLst>
+      <p:ext uri="{BB962C8B-B14F-4D97-AF65-F5344CB8AC3E}">
+        <p14:creationId xmlns:p14="http://schemas.microsoft.com/office/powerpoint/2010/main" val="2864735539"/>
       </p:ext>
     </p:extLst>
   </p:cSld>

--- a/presentation-pca.pptx
+++ b/presentation-pca.pptx
@@ -12,6 +12,7 @@
     <p:sldId id="260" r:id="rId6"/>
     <p:sldId id="262" r:id="rId7"/>
     <p:sldId id="263" r:id="rId8"/>
+    <p:sldId id="264" r:id="rId9"/>
   </p:sldIdLst>
   <p:sldSz cx="12192000" cy="6858000"/>
   <p:notesSz cx="6858000" cy="9144000"/>
@@ -3419,6 +3420,18 @@
   <p:clrMapOvr>
     <a:masterClrMapping/>
   </p:clrMapOvr>
+  <mc:AlternateContent xmlns:mc="http://schemas.openxmlformats.org/markup-compatibility/2006">
+    <mc:Choice xmlns:p14="http://schemas.microsoft.com/office/powerpoint/2010/main" Requires="p14">
+      <p:transition spd="med" p14:dur="700">
+        <p:fade/>
+      </p:transition>
+    </mc:Choice>
+    <mc:Fallback>
+      <p:transition spd="med">
+        <p:fade/>
+      </p:transition>
+    </mc:Fallback>
+  </mc:AlternateContent>
   <p:timing>
     <p:tnLst>
       <p:par>
@@ -3592,8 +3605,8 @@
           </a:p>
         </p:txBody>
       </p:sp>
-      <mc:AlternateContent xmlns:mc="http://schemas.openxmlformats.org/markup-compatibility/2006">
-        <mc:Choice xmlns:a14="http://schemas.microsoft.com/office/drawing/2010/main" Requires="a14">
+      <mc:AlternateContent xmlns:mc="http://schemas.openxmlformats.org/markup-compatibility/2006" xmlns:a14="http://schemas.microsoft.com/office/drawing/2010/main">
+        <mc:Choice Requires="a14">
           <p:sp>
             <p:nvSpPr>
               <p:cNvPr id="3" name="Content Placeholder 2">
@@ -3744,7 +3757,7 @@
             </p:txBody>
           </p:sp>
         </mc:Choice>
-        <mc:Fallback>
+        <mc:Fallback xmlns="">
           <p:sp>
             <p:nvSpPr>
               <p:cNvPr id="3" name="Content Placeholder 2">
@@ -4292,6 +4305,18 @@
   <p:clrMapOvr>
     <a:masterClrMapping/>
   </p:clrMapOvr>
+  <mc:AlternateContent xmlns:mc="http://schemas.openxmlformats.org/markup-compatibility/2006">
+    <mc:Choice xmlns:p14="http://schemas.microsoft.com/office/powerpoint/2010/main" Requires="p14">
+      <p:transition spd="med" p14:dur="700">
+        <p:fade/>
+      </p:transition>
+    </mc:Choice>
+    <mc:Fallback>
+      <p:transition spd="med">
+        <p:fade/>
+      </p:transition>
+    </mc:Fallback>
+  </mc:AlternateContent>
 </p:sld>
 </file>
 
@@ -4471,6 +4496,18 @@
   <p:clrMapOvr>
     <a:masterClrMapping/>
   </p:clrMapOvr>
+  <mc:AlternateContent xmlns:mc="http://schemas.openxmlformats.org/markup-compatibility/2006">
+    <mc:Choice xmlns:p14="http://schemas.microsoft.com/office/powerpoint/2010/main" Requires="p14">
+      <p:transition spd="med" p14:dur="700">
+        <p:fade/>
+      </p:transition>
+    </mc:Choice>
+    <mc:Fallback>
+      <p:transition spd="med">
+        <p:fade/>
+      </p:transition>
+    </mc:Fallback>
+  </mc:AlternateContent>
 </p:sld>
 </file>
 
@@ -4636,6 +4673,18 @@
   <p:clrMapOvr>
     <a:masterClrMapping/>
   </p:clrMapOvr>
+  <mc:AlternateContent xmlns:mc="http://schemas.openxmlformats.org/markup-compatibility/2006">
+    <mc:Choice xmlns:p14="http://schemas.microsoft.com/office/powerpoint/2010/main" Requires="p14">
+      <p:transition spd="med" p14:dur="700">
+        <p:fade/>
+      </p:transition>
+    </mc:Choice>
+    <mc:Fallback>
+      <p:transition spd="med">
+        <p:fade/>
+      </p:transition>
+    </mc:Fallback>
+  </mc:AlternateContent>
 </p:sld>
 </file>
 
@@ -4717,8 +4766,8 @@
           </a:p>
         </p:txBody>
       </p:sp>
-      <mc:AlternateContent xmlns:mc="http://schemas.openxmlformats.org/markup-compatibility/2006">
-        <mc:Choice xmlns:a14="http://schemas.microsoft.com/office/drawing/2010/main" Requires="a14">
+      <mc:AlternateContent xmlns:mc="http://schemas.openxmlformats.org/markup-compatibility/2006" xmlns:a14="http://schemas.microsoft.com/office/drawing/2010/main">
+        <mc:Choice Requires="a14">
           <p:sp>
             <p:nvSpPr>
               <p:cNvPr id="3" name="Content Placeholder 2">
@@ -5199,7 +5248,7 @@
             </p:txBody>
           </p:sp>
         </mc:Choice>
-        <mc:Fallback>
+        <mc:Fallback xmlns="">
           <p:sp>
             <p:nvSpPr>
               <p:cNvPr id="3" name="Content Placeholder 2">
@@ -5253,6 +5302,18 @@
   <p:clrMapOvr>
     <a:masterClrMapping/>
   </p:clrMapOvr>
+  <mc:AlternateContent xmlns:mc="http://schemas.openxmlformats.org/markup-compatibility/2006">
+    <mc:Choice xmlns:p14="http://schemas.microsoft.com/office/powerpoint/2010/main" Requires="p14">
+      <p:transition spd="med" p14:dur="700">
+        <p:fade/>
+      </p:transition>
+    </mc:Choice>
+    <mc:Fallback>
+      <p:transition spd="med">
+        <p:fade/>
+      </p:transition>
+    </mc:Fallback>
+  </mc:AlternateContent>
 </p:sld>
 </file>
 
@@ -5360,7 +5421,7 @@
             </p:spPr>
             <p:txBody>
               <a:bodyPr>
-                <a:normAutofit/>
+                <a:normAutofit lnSpcReduction="10000"/>
               </a:bodyPr>
               <a:lstStyle/>
               <a:p>
@@ -6174,12 +6235,717 @@
                 </a:endParaRPr>
               </a:p>
               <a:p>
+                <a:r>
+                  <a:rPr lang="en-US" dirty="0">
+                    <a:latin typeface="Times New Roman" panose="02020603050405020304" pitchFamily="18" charset="0"/>
+                    <a:cs typeface="Times New Roman" panose="02020603050405020304" pitchFamily="18" charset="0"/>
+                  </a:rPr>
+                  <a:t>Solve for </a:t>
+                </a:r>
+                <a14:m>
+                  <m:oMath xmlns:m="http://schemas.openxmlformats.org/officeDocument/2006/math">
+                    <m:r>
+                      <a:rPr lang="en-US" b="0" i="1" smtClean="0">
+                        <a:latin typeface="Cambria Math" panose="02040503050406030204" pitchFamily="18" charset="0"/>
+                        <a:cs typeface="Times New Roman" panose="02020603050405020304" pitchFamily="18" charset="0"/>
+                      </a:rPr>
+                      <m:t>𝑋</m:t>
+                    </m:r>
+                  </m:oMath>
+                </a14:m>
+                <a:r>
+                  <a:rPr lang="en-US" dirty="0">
+                    <a:latin typeface="Times New Roman" panose="02020603050405020304" pitchFamily="18" charset="0"/>
+                    <a:cs typeface="Times New Roman" panose="02020603050405020304" pitchFamily="18" charset="0"/>
+                  </a:rPr>
+                  <a:t> in</a:t>
+                </a:r>
+              </a:p>
+              <a:p>
+                <a:pPr marL="0" indent="0">
+                  <a:buNone/>
+                </a:pPr>
+                <a14:m>
+                  <m:oMathPara xmlns:m="http://schemas.openxmlformats.org/officeDocument/2006/math">
+                    <m:oMathParaPr>
+                      <m:jc m:val="centerGroup"/>
+                    </m:oMathParaPr>
+                    <m:oMath xmlns:m="http://schemas.openxmlformats.org/officeDocument/2006/math">
+                      <m:r>
+                        <m:rPr>
+                          <m:sty m:val="p"/>
+                        </m:rPr>
+                        <a:rPr lang="el-GR" i="1">
+                          <a:latin typeface="Cambria Math" panose="02040503050406030204" pitchFamily="18" charset="0"/>
+                          <a:ea typeface="Cambria Math" panose="02040503050406030204" pitchFamily="18" charset="0"/>
+                          <a:cs typeface="Times New Roman" panose="02020603050405020304" pitchFamily="18" charset="0"/>
+                        </a:rPr>
+                        <m:t>Σ</m:t>
+                      </m:r>
+                      <m:r>
+                        <a:rPr lang="en-US" b="0" i="1" smtClean="0">
+                          <a:latin typeface="Cambria Math" panose="02040503050406030204" pitchFamily="18" charset="0"/>
+                          <a:ea typeface="Cambria Math" panose="02040503050406030204" pitchFamily="18" charset="0"/>
+                          <a:cs typeface="Times New Roman" panose="02020603050405020304" pitchFamily="18" charset="0"/>
+                        </a:rPr>
+                        <m:t>=</m:t>
+                      </m:r>
+                      <m:f>
+                        <m:fPr>
+                          <m:ctrlPr>
+                            <a:rPr lang="en-US" b="0" i="1" smtClean="0">
+                              <a:latin typeface="Cambria Math" panose="02040503050406030204" pitchFamily="18" charset="0"/>
+                              <a:cs typeface="Times New Roman" panose="02020603050405020304" pitchFamily="18" charset="0"/>
+                            </a:rPr>
+                          </m:ctrlPr>
+                        </m:fPr>
+                        <m:num>
+                          <m:r>
+                            <a:rPr lang="en-US" b="0" i="1" smtClean="0">
+                              <a:latin typeface="Cambria Math" panose="02040503050406030204" pitchFamily="18" charset="0"/>
+                              <a:cs typeface="Times New Roman" panose="02020603050405020304" pitchFamily="18" charset="0"/>
+                            </a:rPr>
+                            <m:t>1</m:t>
+                          </m:r>
+                        </m:num>
+                        <m:den>
+                          <m:r>
+                            <a:rPr lang="en-US" b="0" i="1" smtClean="0">
+                              <a:latin typeface="Cambria Math" panose="02040503050406030204" pitchFamily="18" charset="0"/>
+                              <a:cs typeface="Times New Roman" panose="02020603050405020304" pitchFamily="18" charset="0"/>
+                            </a:rPr>
+                            <m:t>𝑛</m:t>
+                          </m:r>
+                          <m:r>
+                            <a:rPr lang="en-US" b="0" i="1" smtClean="0">
+                              <a:latin typeface="Cambria Math" panose="02040503050406030204" pitchFamily="18" charset="0"/>
+                              <a:cs typeface="Times New Roman" panose="02020603050405020304" pitchFamily="18" charset="0"/>
+                            </a:rPr>
+                            <m:t>−1</m:t>
+                          </m:r>
+                        </m:den>
+                      </m:f>
+                      <m:sSup>
+                        <m:sSupPr>
+                          <m:ctrlPr>
+                            <a:rPr lang="en-US" b="0" i="1" smtClean="0">
+                              <a:latin typeface="Cambria Math" panose="02040503050406030204" pitchFamily="18" charset="0"/>
+                              <a:cs typeface="Times New Roman" panose="02020603050405020304" pitchFamily="18" charset="0"/>
+                            </a:rPr>
+                          </m:ctrlPr>
+                        </m:sSupPr>
+                        <m:e>
+                          <m:r>
+                            <a:rPr lang="en-US" b="0" i="1" smtClean="0">
+                              <a:latin typeface="Cambria Math" panose="02040503050406030204" pitchFamily="18" charset="0"/>
+                              <a:cs typeface="Times New Roman" panose="02020603050405020304" pitchFamily="18" charset="0"/>
+                            </a:rPr>
+                            <m:t>𝑋</m:t>
+                          </m:r>
+                        </m:e>
+                        <m:sup>
+                          <m:r>
+                            <a:rPr lang="en-US" b="0" i="1" smtClean="0">
+                              <a:latin typeface="Cambria Math" panose="02040503050406030204" pitchFamily="18" charset="0"/>
+                              <a:cs typeface="Times New Roman" panose="02020603050405020304" pitchFamily="18" charset="0"/>
+                            </a:rPr>
+                            <m:t>𝑇</m:t>
+                          </m:r>
+                        </m:sup>
+                      </m:sSup>
+                      <m:r>
+                        <a:rPr lang="en-US" b="0" i="1" smtClean="0">
+                          <a:latin typeface="Cambria Math" panose="02040503050406030204" pitchFamily="18" charset="0"/>
+                          <a:cs typeface="Times New Roman" panose="02020603050405020304" pitchFamily="18" charset="0"/>
+                        </a:rPr>
+                        <m:t>𝑋</m:t>
+                      </m:r>
+                    </m:oMath>
+                  </m:oMathPara>
+                </a14:m>
+                <a:endParaRPr lang="en-US" dirty="0">
+                  <a:latin typeface="Times New Roman" panose="02020603050405020304" pitchFamily="18" charset="0"/>
+                  <a:cs typeface="Times New Roman" panose="02020603050405020304" pitchFamily="18" charset="0"/>
+                </a:endParaRPr>
+              </a:p>
+            </p:txBody>
+          </p:sp>
+        </mc:Choice>
+        <mc:Fallback>
+          <p:sp>
+            <p:nvSpPr>
+              <p:cNvPr id="3" name="Content Placeholder 2">
+                <a:extLst>
+                  <a:ext uri="{FF2B5EF4-FFF2-40B4-BE49-F238E27FC236}">
+                    <a16:creationId xmlns:a16="http://schemas.microsoft.com/office/drawing/2014/main" id="{3C9F5026-EDD1-47E7-BCE2-603A9385AD70}"/>
+                  </a:ext>
+                </a:extLst>
+              </p:cNvPr>
+              <p:cNvSpPr>
+                <a:spLocks noGrp="1" noRot="1" noChangeAspect="1" noMove="1" noResize="1" noEditPoints="1" noAdjustHandles="1" noChangeArrowheads="1" noChangeShapeType="1" noTextEdit="1"/>
+              </p:cNvSpPr>
+              <p:nvPr>
+                <p:ph idx="1"/>
+              </p:nvPr>
+            </p:nvSpPr>
+            <p:spPr>
+              <a:xfrm>
+                <a:off x="913795" y="1931542"/>
+                <a:ext cx="9710296" cy="4438436"/>
+              </a:xfrm>
+              <a:blipFill>
+                <a:blip r:embed="rId3"/>
+                <a:stretch>
+                  <a:fillRect l="-1130" t="-3434"/>
+                </a:stretch>
+              </a:blipFill>
+            </p:spPr>
+            <p:txBody>
+              <a:bodyPr/>
+              <a:lstStyle/>
+              <a:p>
+                <a:r>
+                  <a:rPr lang="en-GB">
+                    <a:noFill/>
+                  </a:rPr>
+                  <a:t> </a:t>
+                </a:r>
+              </a:p>
+            </p:txBody>
+          </p:sp>
+        </mc:Fallback>
+      </mc:AlternateContent>
+      <p:sp>
+        <p:nvSpPr>
+          <p:cNvPr id="5" name="AutoShape 4" descr="\ddots">
+            <a:extLst>
+              <a:ext uri="{FF2B5EF4-FFF2-40B4-BE49-F238E27FC236}">
+                <a16:creationId xmlns:a16="http://schemas.microsoft.com/office/drawing/2014/main" id="{8B7F9DCD-FA35-4D4C-BBB8-B414B0947F66}"/>
+              </a:ext>
+            </a:extLst>
+          </p:cNvPr>
+          <p:cNvSpPr>
+            <a:spLocks noChangeAspect="1" noChangeArrowheads="1"/>
+          </p:cNvSpPr>
+          <p:nvPr/>
+        </p:nvSpPr>
+        <p:spPr bwMode="auto">
+          <a:xfrm>
+            <a:off x="6096000" y="3429000"/>
+            <a:ext cx="304800" cy="304800"/>
+          </a:xfrm>
+          <a:prstGeom prst="rect">
+            <a:avLst/>
+          </a:prstGeom>
+          <a:noFill/>
+          <a:extLst>
+            <a:ext uri="{909E8E84-426E-40DD-AFC4-6F175D3DCCD1}">
+              <a14:hiddenFill xmlns:a14="http://schemas.microsoft.com/office/drawing/2010/main">
+                <a:solidFill>
+                  <a:srgbClr val="FFFFFF"/>
+                </a:solidFill>
+              </a14:hiddenFill>
+            </a:ext>
+          </a:extLst>
+        </p:spPr>
+        <p:txBody>
+          <a:bodyPr vert="horz" wrap="square" lIns="91440" tIns="45720" rIns="91440" bIns="45720" numCol="1" anchor="t" anchorCtr="0" compatLnSpc="1">
+            <a:prstTxWarp prst="textNoShape">
+              <a:avLst/>
+            </a:prstTxWarp>
+          </a:bodyPr>
+          <a:lstStyle/>
+          <a:p>
+            <a:endParaRPr lang="en-GB"/>
+          </a:p>
+        </p:txBody>
+      </p:sp>
+    </p:spTree>
+    <p:extLst>
+      <p:ext uri="{BB962C8B-B14F-4D97-AF65-F5344CB8AC3E}">
+        <p14:creationId xmlns:p14="http://schemas.microsoft.com/office/powerpoint/2010/main" val="4047105974"/>
+      </p:ext>
+    </p:extLst>
+  </p:cSld>
+  <p:clrMapOvr>
+    <a:masterClrMapping/>
+  </p:clrMapOvr>
+  <mc:AlternateContent xmlns:mc="http://schemas.openxmlformats.org/markup-compatibility/2006">
+    <mc:Choice xmlns:p14="http://schemas.microsoft.com/office/powerpoint/2010/main" Requires="p14">
+      <p:transition spd="med" p14:dur="700">
+        <p:fade/>
+      </p:transition>
+    </mc:Choice>
+    <mc:Fallback>
+      <p:transition spd="med">
+        <p:fade/>
+      </p:transition>
+    </mc:Fallback>
+  </mc:AlternateContent>
+</p:sld>
+</file>
+
+<file path=ppt/slides/slide7.xml><?xml version="1.0" encoding="utf-8"?>
+<p:sld xmlns:a="http://schemas.openxmlformats.org/drawingml/2006/main" xmlns:r="http://schemas.openxmlformats.org/officeDocument/2006/relationships" xmlns:p="http://schemas.openxmlformats.org/presentationml/2006/main">
+  <p:cSld>
+    <p:bg>
+      <p:bgPr>
+        <a:blipFill rotWithShape="1">
+          <a:blip r:embed="rId2">
+            <a:duotone>
+              <a:schemeClr val="bg2">
+                <a:shade val="80000"/>
+                <a:lumMod val="80000"/>
+              </a:schemeClr>
+              <a:schemeClr val="bg2">
+                <a:tint val="98000"/>
+              </a:schemeClr>
+            </a:duotone>
+          </a:blip>
+          <a:stretch/>
+        </a:blipFill>
+        <a:effectLst/>
+      </p:bgPr>
+    </p:bg>
+    <p:spTree>
+      <p:nvGrpSpPr>
+        <p:cNvPr id="1" name=""/>
+        <p:cNvGrpSpPr/>
+        <p:nvPr/>
+      </p:nvGrpSpPr>
+      <p:grpSpPr>
+        <a:xfrm>
+          <a:off x="0" y="0"/>
+          <a:ext cx="0" cy="0"/>
+          <a:chOff x="0" y="0"/>
+          <a:chExt cx="0" cy="0"/>
+        </a:xfrm>
+      </p:grpSpPr>
+      <p:sp>
+        <p:nvSpPr>
+          <p:cNvPr id="2" name="Title 1">
+            <a:extLst>
+              <a:ext uri="{FF2B5EF4-FFF2-40B4-BE49-F238E27FC236}">
+                <a16:creationId xmlns:a16="http://schemas.microsoft.com/office/drawing/2014/main" id="{ADD66E0C-CEBB-4743-AC52-7CBE75BEB317}"/>
+              </a:ext>
+            </a:extLst>
+          </p:cNvPr>
+          <p:cNvSpPr>
+            <a:spLocks noGrp="1"/>
+          </p:cNvSpPr>
+          <p:nvPr>
+            <p:ph type="title"/>
+          </p:nvPr>
+        </p:nvSpPr>
+        <p:spPr>
+          <a:xfrm>
+            <a:off x="913795" y="609600"/>
+            <a:ext cx="10353762" cy="1164772"/>
+          </a:xfrm>
+        </p:spPr>
+        <p:txBody>
+          <a:bodyPr>
+            <a:normAutofit/>
+          </a:bodyPr>
+          <a:lstStyle/>
+          <a:p>
+            <a:r>
+              <a:rPr lang="en-US" dirty="0">
+                <a:latin typeface="Times New Roman" panose="02020603050405020304" pitchFamily="18" charset="0"/>
+                <a:cs typeface="Times New Roman" panose="02020603050405020304" pitchFamily="18" charset="0"/>
+              </a:rPr>
+              <a:t>PCA – Steps</a:t>
+            </a:r>
+            <a:endParaRPr lang="en-GB" dirty="0">
+              <a:latin typeface="Times New Roman" panose="02020603050405020304" pitchFamily="18" charset="0"/>
+              <a:cs typeface="Times New Roman" panose="02020603050405020304" pitchFamily="18" charset="0"/>
+            </a:endParaRPr>
+          </a:p>
+        </p:txBody>
+      </p:sp>
+      <mc:AlternateContent xmlns:mc="http://schemas.openxmlformats.org/markup-compatibility/2006">
+        <mc:Choice xmlns:a14="http://schemas.microsoft.com/office/drawing/2010/main" Requires="a14">
+          <p:sp>
+            <p:nvSpPr>
+              <p:cNvPr id="3" name="Content Placeholder 2">
+                <a:extLst>
+                  <a:ext uri="{FF2B5EF4-FFF2-40B4-BE49-F238E27FC236}">
+                    <a16:creationId xmlns:a16="http://schemas.microsoft.com/office/drawing/2014/main" id="{3C9F5026-EDD1-47E7-BCE2-603A9385AD70}"/>
+                  </a:ext>
+                </a:extLst>
+              </p:cNvPr>
+              <p:cNvSpPr>
+                <a:spLocks noGrp="1"/>
+              </p:cNvSpPr>
+              <p:nvPr>
+                <p:ph idx="1"/>
+              </p:nvPr>
+            </p:nvSpPr>
+            <p:spPr>
+              <a:xfrm>
+                <a:off x="913795" y="1931542"/>
+                <a:ext cx="9710296" cy="4438436"/>
+              </a:xfrm>
+            </p:spPr>
+            <p:txBody>
+              <a:bodyPr>
+                <a:normAutofit/>
+              </a:bodyPr>
+              <a:lstStyle/>
+              <a:p>
+                <a:r>
+                  <a:rPr lang="en-US" dirty="0">
+                    <a:latin typeface="Times New Roman" panose="02020603050405020304" pitchFamily="18" charset="0"/>
+                    <a:cs typeface="Times New Roman" panose="02020603050405020304" pitchFamily="18" charset="0"/>
+                  </a:rPr>
+                  <a:t>Perform eigen decomposition. That is, find the eigenvalues and eigenvectors for the matrix.</a:t>
+                </a:r>
+                <a:endParaRPr lang="en-US" dirty="0">
+                  <a:latin typeface="Times New Roman" panose="02020603050405020304" pitchFamily="18" charset="0"/>
+                  <a:ea typeface="Cambria Math" panose="02040503050406030204" pitchFamily="18" charset="0"/>
+                  <a:cs typeface="Times New Roman" panose="02020603050405020304" pitchFamily="18" charset="0"/>
+                </a:endParaRPr>
+              </a:p>
+              <a:p>
+                <a:r>
+                  <a:rPr lang="en-US" dirty="0">
+                    <a:latin typeface="Times New Roman" panose="02020603050405020304" pitchFamily="18" charset="0"/>
+                    <a:cs typeface="Times New Roman" panose="02020603050405020304" pitchFamily="18" charset="0"/>
+                  </a:rPr>
+                  <a:t>For a matrix </a:t>
+                </a:r>
+                <a14:m>
+                  <m:oMath xmlns:m="http://schemas.openxmlformats.org/officeDocument/2006/math">
+                    <m:r>
+                      <a:rPr lang="en-US" i="1" dirty="0" smtClean="0">
+                        <a:latin typeface="Cambria Math" panose="02040503050406030204" pitchFamily="18" charset="0"/>
+                        <a:cs typeface="Times New Roman" panose="02020603050405020304" pitchFamily="18" charset="0"/>
+                      </a:rPr>
+                      <m:t>𝐴</m:t>
+                    </m:r>
+                  </m:oMath>
+                </a14:m>
+                <a:r>
+                  <a:rPr lang="en-US" dirty="0">
+                    <a:cs typeface="Times New Roman" panose="02020603050405020304" pitchFamily="18" charset="0"/>
+                  </a:rPr>
+                  <a:t>, </a:t>
+                </a:r>
+                <a:r>
+                  <a:rPr lang="en-US" dirty="0">
+                    <a:latin typeface="Times New Roman" panose="02020603050405020304" pitchFamily="18" charset="0"/>
+                    <a:cs typeface="Times New Roman" panose="02020603050405020304" pitchFamily="18" charset="0"/>
+                  </a:rPr>
+                  <a:t>the eigenvalues are the values of </a:t>
+                </a:r>
+                <a14:m>
+                  <m:oMath xmlns:m="http://schemas.openxmlformats.org/officeDocument/2006/math">
+                    <m:r>
+                      <a:rPr lang="el-GR" i="1" dirty="0">
+                        <a:latin typeface="Cambria Math" panose="02040503050406030204" pitchFamily="18" charset="0"/>
+                        <a:cs typeface="Times New Roman" panose="02020603050405020304" pitchFamily="18" charset="0"/>
+                      </a:rPr>
+                      <m:t>𝜆</m:t>
+                    </m:r>
+                  </m:oMath>
+                </a14:m>
+                <a:r>
+                  <a:rPr lang="en-US" dirty="0">
+                    <a:latin typeface="Times New Roman" panose="02020603050405020304" pitchFamily="18" charset="0"/>
+                    <a:cs typeface="Times New Roman" panose="02020603050405020304" pitchFamily="18" charset="0"/>
+                  </a:rPr>
+                  <a:t> that satisfy</a:t>
+                </a:r>
+                <a:endParaRPr lang="en-US" dirty="0">
+                  <a:cs typeface="Times New Roman" panose="02020603050405020304" pitchFamily="18" charset="0"/>
+                </a:endParaRPr>
+              </a:p>
+              <a:p>
+                <a:pPr marL="0" indent="0">
+                  <a:buNone/>
+                </a:pPr>
+                <a14:m>
+                  <m:oMathPara xmlns:m="http://schemas.openxmlformats.org/officeDocument/2006/math">
+                    <m:oMathParaPr>
+                      <m:jc m:val="centerGroup"/>
+                    </m:oMathParaPr>
+                    <m:oMath xmlns:m="http://schemas.openxmlformats.org/officeDocument/2006/math">
+                      <m:d>
+                        <m:dPr>
+                          <m:begChr m:val="|"/>
+                          <m:endChr m:val="|"/>
+                          <m:ctrlPr>
+                            <a:rPr lang="en-US" i="1" dirty="0" smtClean="0">
+                              <a:latin typeface="Cambria Math" panose="02040503050406030204" pitchFamily="18" charset="0"/>
+                              <a:cs typeface="Times New Roman" panose="02020603050405020304" pitchFamily="18" charset="0"/>
+                            </a:rPr>
+                          </m:ctrlPr>
+                        </m:dPr>
+                        <m:e>
+                          <m:r>
+                            <a:rPr lang="en-US" i="1" dirty="0" smtClean="0">
+                              <a:latin typeface="Cambria Math" panose="02040503050406030204" pitchFamily="18" charset="0"/>
+                              <a:cs typeface="Times New Roman" panose="02020603050405020304" pitchFamily="18" charset="0"/>
+                            </a:rPr>
+                            <m:t> </m:t>
+                          </m:r>
+                          <m:r>
+                            <a:rPr lang="en-US" i="1" dirty="0" smtClean="0">
+                              <a:latin typeface="Cambria Math" panose="02040503050406030204" pitchFamily="18" charset="0"/>
+                              <a:cs typeface="Times New Roman" panose="02020603050405020304" pitchFamily="18" charset="0"/>
+                            </a:rPr>
+                            <m:t>𝐴</m:t>
+                          </m:r>
+                          <m:r>
+                            <a:rPr lang="en-US" i="1" dirty="0" smtClean="0">
+                              <a:latin typeface="Cambria Math" panose="02040503050406030204" pitchFamily="18" charset="0"/>
+                              <a:cs typeface="Times New Roman" panose="02020603050405020304" pitchFamily="18" charset="0"/>
+                            </a:rPr>
+                            <m:t> − </m:t>
+                          </m:r>
+                          <m:r>
+                            <a:rPr lang="el-GR" i="1" dirty="0" smtClean="0">
+                              <a:latin typeface="Cambria Math" panose="02040503050406030204" pitchFamily="18" charset="0"/>
+                              <a:cs typeface="Times New Roman" panose="02020603050405020304" pitchFamily="18" charset="0"/>
+                            </a:rPr>
+                            <m:t>𝜆</m:t>
+                          </m:r>
+                          <m:r>
+                            <a:rPr lang="en-US" i="1" dirty="0" smtClean="0">
+                              <a:latin typeface="Cambria Math" panose="02040503050406030204" pitchFamily="18" charset="0"/>
+                              <a:cs typeface="Times New Roman" panose="02020603050405020304" pitchFamily="18" charset="0"/>
+                            </a:rPr>
+                            <m:t>𝐼</m:t>
+                          </m:r>
+                          <m:r>
+                            <a:rPr lang="en-US" i="1" dirty="0" smtClean="0">
+                              <a:latin typeface="Cambria Math" panose="02040503050406030204" pitchFamily="18" charset="0"/>
+                              <a:cs typeface="Times New Roman" panose="02020603050405020304" pitchFamily="18" charset="0"/>
+                            </a:rPr>
+                            <m:t> </m:t>
+                          </m:r>
+                        </m:e>
+                      </m:d>
+                      <m:r>
+                        <a:rPr lang="en-US" i="1" dirty="0">
+                          <a:latin typeface="Cambria Math" panose="02040503050406030204" pitchFamily="18" charset="0"/>
+                          <a:cs typeface="Times New Roman" panose="02020603050405020304" pitchFamily="18" charset="0"/>
+                        </a:rPr>
+                        <m:t>=0</m:t>
+                      </m:r>
+                    </m:oMath>
+                  </m:oMathPara>
+                </a14:m>
                 <a:endParaRPr lang="en-US" dirty="0">
                   <a:latin typeface="Times New Roman" panose="02020603050405020304" pitchFamily="18" charset="0"/>
                   <a:cs typeface="Times New Roman" panose="02020603050405020304" pitchFamily="18" charset="0"/>
                 </a:endParaRPr>
               </a:p>
               <a:p>
+                <a14:m>
+                  <m:oMath xmlns:m="http://schemas.openxmlformats.org/officeDocument/2006/math">
+                    <m:r>
+                      <m:rPr>
+                        <m:nor/>
+                      </m:rPr>
+                      <a:rPr lang="en-US" dirty="0">
+                        <a:latin typeface="Times New Roman" panose="02020603050405020304" pitchFamily="18" charset="0"/>
+                        <a:cs typeface="Times New Roman" panose="02020603050405020304" pitchFamily="18" charset="0"/>
+                      </a:rPr>
+                      <m:t>The</m:t>
+                    </m:r>
+                    <m:r>
+                      <m:rPr>
+                        <m:nor/>
+                      </m:rPr>
+                      <a:rPr lang="en-US" dirty="0">
+                        <a:latin typeface="Times New Roman" panose="02020603050405020304" pitchFamily="18" charset="0"/>
+                        <a:cs typeface="Times New Roman" panose="02020603050405020304" pitchFamily="18" charset="0"/>
+                      </a:rPr>
+                      <m:t> </m:t>
+                    </m:r>
+                    <m:r>
+                      <m:rPr>
+                        <m:nor/>
+                      </m:rPr>
+                      <a:rPr lang="en-US" dirty="0">
+                        <a:latin typeface="Times New Roman" panose="02020603050405020304" pitchFamily="18" charset="0"/>
+                        <a:cs typeface="Times New Roman" panose="02020603050405020304" pitchFamily="18" charset="0"/>
+                      </a:rPr>
+                      <m:t>eigenvectors</m:t>
+                    </m:r>
+                    <m:r>
+                      <m:rPr>
+                        <m:nor/>
+                      </m:rPr>
+                      <a:rPr lang="en-US" dirty="0">
+                        <a:latin typeface="Times New Roman" panose="02020603050405020304" pitchFamily="18" charset="0"/>
+                        <a:cs typeface="Times New Roman" panose="02020603050405020304" pitchFamily="18" charset="0"/>
+                      </a:rPr>
+                      <m:t> </m:t>
+                    </m:r>
+                    <m:r>
+                      <m:rPr>
+                        <m:nor/>
+                      </m:rPr>
+                      <a:rPr lang="en-US" dirty="0">
+                        <a:latin typeface="Times New Roman" panose="02020603050405020304" pitchFamily="18" charset="0"/>
+                        <a:cs typeface="Times New Roman" panose="02020603050405020304" pitchFamily="18" charset="0"/>
+                      </a:rPr>
+                      <m:t>are</m:t>
+                    </m:r>
+                    <m:r>
+                      <m:rPr>
+                        <m:nor/>
+                      </m:rPr>
+                      <a:rPr lang="en-US" dirty="0">
+                        <a:latin typeface="Times New Roman" panose="02020603050405020304" pitchFamily="18" charset="0"/>
+                        <a:cs typeface="Times New Roman" panose="02020603050405020304" pitchFamily="18" charset="0"/>
+                      </a:rPr>
+                      <m:t> </m:t>
+                    </m:r>
+                    <m:r>
+                      <m:rPr>
+                        <m:nor/>
+                      </m:rPr>
+                      <a:rPr lang="en-US" dirty="0">
+                        <a:latin typeface="Times New Roman" panose="02020603050405020304" pitchFamily="18" charset="0"/>
+                        <a:cs typeface="Times New Roman" panose="02020603050405020304" pitchFamily="18" charset="0"/>
+                      </a:rPr>
+                      <m:t>the</m:t>
+                    </m:r>
+                    <m:r>
+                      <m:rPr>
+                        <m:nor/>
+                      </m:rPr>
+                      <a:rPr lang="en-US" dirty="0">
+                        <a:latin typeface="Times New Roman" panose="02020603050405020304" pitchFamily="18" charset="0"/>
+                        <a:cs typeface="Times New Roman" panose="02020603050405020304" pitchFamily="18" charset="0"/>
+                      </a:rPr>
+                      <m:t> </m:t>
+                    </m:r>
+                    <m:r>
+                      <m:rPr>
+                        <m:nor/>
+                      </m:rPr>
+                      <a:rPr lang="en-US" dirty="0">
+                        <a:latin typeface="Times New Roman" panose="02020603050405020304" pitchFamily="18" charset="0"/>
+                        <a:cs typeface="Times New Roman" panose="02020603050405020304" pitchFamily="18" charset="0"/>
+                      </a:rPr>
+                      <m:t>vectors</m:t>
+                    </m:r>
+                    <m:r>
+                      <m:rPr>
+                        <m:nor/>
+                      </m:rPr>
+                      <a:rPr lang="en-US" dirty="0">
+                        <a:latin typeface="Times New Roman" panose="02020603050405020304" pitchFamily="18" charset="0"/>
+                        <a:cs typeface="Times New Roman" panose="02020603050405020304" pitchFamily="18" charset="0"/>
+                      </a:rPr>
+                      <m:t> </m:t>
+                    </m:r>
+                    <m:r>
+                      <a:rPr lang="en-US" i="1">
+                        <a:latin typeface="Cambria Math" panose="02040503050406030204" pitchFamily="18" charset="0"/>
+                        <a:cs typeface="Times New Roman" panose="02020603050405020304" pitchFamily="18" charset="0"/>
+                      </a:rPr>
+                      <m:t>𝑣</m:t>
+                    </m:r>
+                    <m:r>
+                      <m:rPr>
+                        <m:nor/>
+                      </m:rPr>
+                      <a:rPr lang="en-US" dirty="0">
+                        <a:latin typeface="Times New Roman" panose="02020603050405020304" pitchFamily="18" charset="0"/>
+                        <a:cs typeface="Times New Roman" panose="02020603050405020304" pitchFamily="18" charset="0"/>
+                      </a:rPr>
+                      <m:t> </m:t>
+                    </m:r>
+                    <m:r>
+                      <m:rPr>
+                        <m:nor/>
+                      </m:rPr>
+                      <a:rPr lang="en-US" dirty="0">
+                        <a:latin typeface="Times New Roman" panose="02020603050405020304" pitchFamily="18" charset="0"/>
+                        <a:cs typeface="Times New Roman" panose="02020603050405020304" pitchFamily="18" charset="0"/>
+                      </a:rPr>
+                      <m:t>that</m:t>
+                    </m:r>
+                    <m:r>
+                      <m:rPr>
+                        <m:nor/>
+                      </m:rPr>
+                      <a:rPr lang="en-US" dirty="0">
+                        <a:latin typeface="Times New Roman" panose="02020603050405020304" pitchFamily="18" charset="0"/>
+                        <a:cs typeface="Times New Roman" panose="02020603050405020304" pitchFamily="18" charset="0"/>
+                      </a:rPr>
+                      <m:t> </m:t>
+                    </m:r>
+                    <m:r>
+                      <m:rPr>
+                        <m:nor/>
+                      </m:rPr>
+                      <a:rPr lang="en-US" dirty="0">
+                        <a:latin typeface="Times New Roman" panose="02020603050405020304" pitchFamily="18" charset="0"/>
+                        <a:cs typeface="Times New Roman" panose="02020603050405020304" pitchFamily="18" charset="0"/>
+                      </a:rPr>
+                      <m:t>satisfy</m:t>
+                    </m:r>
+                  </m:oMath>
+                </a14:m>
+                <a:endParaRPr lang="en-US" dirty="0">
+                  <a:latin typeface="Times New Roman" panose="02020603050405020304" pitchFamily="18" charset="0"/>
+                  <a:cs typeface="Times New Roman" panose="02020603050405020304" pitchFamily="18" charset="0"/>
+                </a:endParaRPr>
+              </a:p>
+              <a:p>
+                <a:pPr marL="0" indent="0">
+                  <a:buNone/>
+                </a:pPr>
+                <a14:m>
+                  <m:oMathPara xmlns:m="http://schemas.openxmlformats.org/officeDocument/2006/math">
+                    <m:oMathParaPr>
+                      <m:jc m:val="centerGroup"/>
+                    </m:oMathParaPr>
+                    <m:oMath xmlns:m="http://schemas.openxmlformats.org/officeDocument/2006/math">
+                      <m:r>
+                        <a:rPr lang="en-US" i="1">
+                          <a:latin typeface="Cambria Math" panose="02040503050406030204" pitchFamily="18" charset="0"/>
+                          <a:cs typeface="Times New Roman" panose="02020603050405020304" pitchFamily="18" charset="0"/>
+                        </a:rPr>
+                        <m:t>𝐴𝑣</m:t>
+                      </m:r>
+                      <m:r>
+                        <a:rPr lang="en-US" i="1">
+                          <a:latin typeface="Cambria Math" panose="02040503050406030204" pitchFamily="18" charset="0"/>
+                          <a:cs typeface="Times New Roman" panose="02020603050405020304" pitchFamily="18" charset="0"/>
+                        </a:rPr>
+                        <m:t>=</m:t>
+                      </m:r>
+                      <m:r>
+                        <a:rPr lang="el-GR" i="1" dirty="0">
+                          <a:latin typeface="Cambria Math" panose="02040503050406030204" pitchFamily="18" charset="0"/>
+                          <a:cs typeface="Times New Roman" panose="02020603050405020304" pitchFamily="18" charset="0"/>
+                        </a:rPr>
+                        <m:t>𝜆</m:t>
+                      </m:r>
+                      <m:r>
+                        <a:rPr lang="en-US" i="1" dirty="0">
+                          <a:latin typeface="Cambria Math" panose="02040503050406030204" pitchFamily="18" charset="0"/>
+                          <a:cs typeface="Times New Roman" panose="02020603050405020304" pitchFamily="18" charset="0"/>
+                        </a:rPr>
+                        <m:t>𝑣</m:t>
+                      </m:r>
+                      <m:r>
+                        <a:rPr lang="en-US" i="1" dirty="0">
+                          <a:latin typeface="Cambria Math" panose="02040503050406030204" pitchFamily="18" charset="0"/>
+                          <a:cs typeface="Times New Roman" panose="02020603050405020304" pitchFamily="18" charset="0"/>
+                        </a:rPr>
+                        <m:t> 0</m:t>
+                      </m:r>
+                    </m:oMath>
+                  </m:oMathPara>
+                </a14:m>
                 <a:endParaRPr lang="en-US" dirty="0">
                   <a:latin typeface="Times New Roman" panose="02020603050405020304" pitchFamily="18" charset="0"/>
                   <a:cs typeface="Times New Roman" panose="02020603050405020304" pitchFamily="18" charset="0"/>
@@ -6280,17 +7046,29 @@
     </p:spTree>
     <p:extLst>
       <p:ext uri="{BB962C8B-B14F-4D97-AF65-F5344CB8AC3E}">
-        <p14:creationId xmlns:p14="http://schemas.microsoft.com/office/powerpoint/2010/main" val="4047105974"/>
+        <p14:creationId xmlns:p14="http://schemas.microsoft.com/office/powerpoint/2010/main" val="2864735539"/>
       </p:ext>
     </p:extLst>
   </p:cSld>
   <p:clrMapOvr>
     <a:masterClrMapping/>
   </p:clrMapOvr>
+  <mc:AlternateContent xmlns:mc="http://schemas.openxmlformats.org/markup-compatibility/2006">
+    <mc:Choice xmlns:p14="http://schemas.microsoft.com/office/powerpoint/2010/main" Requires="p14">
+      <p:transition spd="med" p14:dur="700">
+        <p:fade/>
+      </p:transition>
+    </mc:Choice>
+    <mc:Fallback>
+      <p:transition spd="med">
+        <p:fade/>
+      </p:transition>
+    </mc:Fallback>
+  </mc:AlternateContent>
 </p:sld>
 </file>
 
-<file path=ppt/slides/slide7.xml><?xml version="1.0" encoding="utf-8"?>
+<file path=ppt/slides/slide8.xml><?xml version="1.0" encoding="utf-8"?>
 <p:sld xmlns:a="http://schemas.openxmlformats.org/drawingml/2006/main" xmlns:r="http://schemas.openxmlformats.org/officeDocument/2006/relationships" xmlns:p="http://schemas.openxmlformats.org/presentationml/2006/main">
   <p:cSld>
     <p:bg>
@@ -6401,13 +7179,8 @@
                 <a:latin typeface="Times New Roman" panose="02020603050405020304" pitchFamily="18" charset="0"/>
                 <a:cs typeface="Times New Roman" panose="02020603050405020304" pitchFamily="18" charset="0"/>
               </a:rPr>
-              <a:t>Perform eigen decomposition</a:t>
-            </a:r>
-            <a:endParaRPr lang="en-US" dirty="0">
-              <a:latin typeface="Times New Roman" panose="02020603050405020304" pitchFamily="18" charset="0"/>
-              <a:ea typeface="Cambria Math" panose="02040503050406030204" pitchFamily="18" charset="0"/>
-              <a:cs typeface="Times New Roman" panose="02020603050405020304" pitchFamily="18" charset="0"/>
-            </a:endParaRPr>
+              <a:t>Compute the transformation</a:t>
+            </a:r>
           </a:p>
           <a:p>
             <a:endParaRPr lang="en-US" dirty="0">
@@ -6465,13 +7238,25 @@
     </p:spTree>
     <p:extLst>
       <p:ext uri="{BB962C8B-B14F-4D97-AF65-F5344CB8AC3E}">
-        <p14:creationId xmlns:p14="http://schemas.microsoft.com/office/powerpoint/2010/main" val="2864735539"/>
+        <p14:creationId xmlns:p14="http://schemas.microsoft.com/office/powerpoint/2010/main" val="804418432"/>
       </p:ext>
     </p:extLst>
   </p:cSld>
   <p:clrMapOvr>
     <a:masterClrMapping/>
   </p:clrMapOvr>
+  <mc:AlternateContent xmlns:mc="http://schemas.openxmlformats.org/markup-compatibility/2006">
+    <mc:Choice xmlns:p14="http://schemas.microsoft.com/office/powerpoint/2010/main" Requires="p14">
+      <p:transition spd="med" p14:dur="700">
+        <p:fade/>
+      </p:transition>
+    </mc:Choice>
+    <mc:Fallback>
+      <p:transition spd="med">
+        <p:fade/>
+      </p:transition>
+    </mc:Fallback>
+  </mc:AlternateContent>
 </p:sld>
 </file>
 
